--- a/Project - Happiness Equation.pptx
+++ b/Project - Happiness Equation.pptx
@@ -8,18 +8,17 @@
     <p:sldId id="256" r:id="rId2"/>
     <p:sldId id="258" r:id="rId3"/>
     <p:sldId id="269" r:id="rId4"/>
-    <p:sldId id="259" r:id="rId5"/>
-    <p:sldId id="260" r:id="rId6"/>
-    <p:sldId id="261" r:id="rId7"/>
-    <p:sldId id="262" r:id="rId8"/>
-    <p:sldId id="257" r:id="rId9"/>
-    <p:sldId id="272" r:id="rId10"/>
-    <p:sldId id="267" r:id="rId11"/>
-    <p:sldId id="263" r:id="rId12"/>
-    <p:sldId id="268" r:id="rId13"/>
-    <p:sldId id="274" r:id="rId14"/>
-    <p:sldId id="273" r:id="rId15"/>
-    <p:sldId id="270" r:id="rId16"/>
+    <p:sldId id="257" r:id="rId5"/>
+    <p:sldId id="272" r:id="rId6"/>
+    <p:sldId id="267" r:id="rId7"/>
+    <p:sldId id="263" r:id="rId8"/>
+    <p:sldId id="268" r:id="rId9"/>
+    <p:sldId id="271" r:id="rId10"/>
+    <p:sldId id="259" r:id="rId11"/>
+    <p:sldId id="260" r:id="rId12"/>
+    <p:sldId id="261" r:id="rId13"/>
+    <p:sldId id="262" r:id="rId14"/>
+    <p:sldId id="270" r:id="rId15"/>
   </p:sldIdLst>
   <p:sldSz cx="12192000" cy="6858000"/>
   <p:notesSz cx="6858000" cy="9144000"/>
@@ -318,7 +317,7 @@
             <a:fld id="{B61BEF0D-F0BB-DE4B-95CE-6DB70DBA9567}" type="datetimeFigureOut">
               <a:rPr lang="en-US" dirty="0"/>
               <a:pPr/>
-              <a:t>11/7/2020</a:t>
+              <a:t>11/6/2020</a:t>
             </a:fld>
             <a:endParaRPr lang="en-US" dirty="0"/>
           </a:p>
@@ -751,7 +750,7 @@
             <a:fld id="{B61BEF0D-F0BB-DE4B-95CE-6DB70DBA9567}" type="datetimeFigureOut">
               <a:rPr lang="en-US" dirty="0"/>
               <a:pPr/>
-              <a:t>11/7/2020</a:t>
+              <a:t>11/6/2020</a:t>
             </a:fld>
             <a:endParaRPr lang="en-US" dirty="0"/>
           </a:p>
@@ -998,7 +997,7 @@
             <a:fld id="{B61BEF0D-F0BB-DE4B-95CE-6DB70DBA9567}" type="datetimeFigureOut">
               <a:rPr lang="en-US" dirty="0"/>
               <a:pPr/>
-              <a:t>11/7/2020</a:t>
+              <a:t>11/6/2020</a:t>
             </a:fld>
             <a:endParaRPr lang="en-US" dirty="0"/>
           </a:p>
@@ -1303,7 +1302,7 @@
             <a:fld id="{B61BEF0D-F0BB-DE4B-95CE-6DB70DBA9567}" type="datetimeFigureOut">
               <a:rPr lang="en-US" dirty="0"/>
               <a:pPr/>
-              <a:t>11/7/2020</a:t>
+              <a:t>11/6/2020</a:t>
             </a:fld>
             <a:endParaRPr lang="en-US" dirty="0"/>
           </a:p>
@@ -1618,7 +1617,7 @@
             <a:fld id="{B61BEF0D-F0BB-DE4B-95CE-6DB70DBA9567}" type="datetimeFigureOut">
               <a:rPr lang="en-US" dirty="0"/>
               <a:pPr/>
-              <a:t>11/7/2020</a:t>
+              <a:t>11/6/2020</a:t>
             </a:fld>
             <a:endParaRPr lang="en-US" dirty="0"/>
           </a:p>
@@ -1917,7 +1916,7 @@
             <a:fld id="{B61BEF0D-F0BB-DE4B-95CE-6DB70DBA9567}" type="datetimeFigureOut">
               <a:rPr lang="en-US" dirty="0"/>
               <a:pPr/>
-              <a:t>11/7/2020</a:t>
+              <a:t>11/6/2020</a:t>
             </a:fld>
             <a:endParaRPr lang="en-US" dirty="0"/>
           </a:p>
@@ -2281,7 +2280,7 @@
             <a:fld id="{B61BEF0D-F0BB-DE4B-95CE-6DB70DBA9567}" type="datetimeFigureOut">
               <a:rPr lang="en-US" dirty="0"/>
               <a:pPr/>
-              <a:t>11/7/2020</a:t>
+              <a:t>11/6/2020</a:t>
             </a:fld>
             <a:endParaRPr lang="en-US" dirty="0"/>
           </a:p>
@@ -2452,7 +2451,7 @@
             <a:fld id="{B61BEF0D-F0BB-DE4B-95CE-6DB70DBA9567}" type="datetimeFigureOut">
               <a:rPr lang="en-US" dirty="0"/>
               <a:pPr/>
-              <a:t>11/7/2020</a:t>
+              <a:t>11/6/2020</a:t>
             </a:fld>
             <a:endParaRPr lang="en-US" dirty="0"/>
           </a:p>
@@ -2629,7 +2628,7 @@
             <a:fld id="{B61BEF0D-F0BB-DE4B-95CE-6DB70DBA9567}" type="datetimeFigureOut">
               <a:rPr lang="en-US" dirty="0"/>
               <a:pPr/>
-              <a:t>11/7/2020</a:t>
+              <a:t>11/6/2020</a:t>
             </a:fld>
             <a:endParaRPr lang="en-US" dirty="0"/>
           </a:p>
@@ -2796,7 +2795,7 @@
             <a:fld id="{B61BEF0D-F0BB-DE4B-95CE-6DB70DBA9567}" type="datetimeFigureOut">
               <a:rPr lang="en-US" dirty="0"/>
               <a:pPr/>
-              <a:t>11/7/2020</a:t>
+              <a:t>11/6/2020</a:t>
             </a:fld>
             <a:endParaRPr lang="en-US" dirty="0"/>
           </a:p>
@@ -3043,7 +3042,7 @@
             <a:fld id="{B61BEF0D-F0BB-DE4B-95CE-6DB70DBA9567}" type="datetimeFigureOut">
               <a:rPr lang="en-US" dirty="0"/>
               <a:pPr/>
-              <a:t>11/7/2020</a:t>
+              <a:t>11/6/2020</a:t>
             </a:fld>
             <a:endParaRPr lang="en-US" dirty="0"/>
           </a:p>
@@ -3276,7 +3275,7 @@
             <a:fld id="{B61BEF0D-F0BB-DE4B-95CE-6DB70DBA9567}" type="datetimeFigureOut">
               <a:rPr lang="en-US" dirty="0"/>
               <a:pPr/>
-              <a:t>11/7/2020</a:t>
+              <a:t>11/6/2020</a:t>
             </a:fld>
             <a:endParaRPr lang="en-US" dirty="0"/>
           </a:p>
@@ -3655,7 +3654,7 @@
             <a:fld id="{B61BEF0D-F0BB-DE4B-95CE-6DB70DBA9567}" type="datetimeFigureOut">
               <a:rPr lang="en-US" dirty="0"/>
               <a:pPr/>
-              <a:t>11/7/2020</a:t>
+              <a:t>11/6/2020</a:t>
             </a:fld>
             <a:endParaRPr lang="en-US" dirty="0"/>
           </a:p>
@@ -3770,7 +3769,7 @@
             <a:fld id="{B61BEF0D-F0BB-DE4B-95CE-6DB70DBA9567}" type="datetimeFigureOut">
               <a:rPr lang="en-US" dirty="0"/>
               <a:pPr/>
-              <a:t>11/7/2020</a:t>
+              <a:t>11/6/2020</a:t>
             </a:fld>
             <a:endParaRPr lang="en-US" dirty="0"/>
           </a:p>
@@ -3862,7 +3861,7 @@
             <a:fld id="{B61BEF0D-F0BB-DE4B-95CE-6DB70DBA9567}" type="datetimeFigureOut">
               <a:rPr lang="en-US" dirty="0"/>
               <a:pPr/>
-              <a:t>11/7/2020</a:t>
+              <a:t>11/6/2020</a:t>
             </a:fld>
             <a:endParaRPr lang="en-US" dirty="0"/>
           </a:p>
@@ -4114,7 +4113,7 @@
             <a:fld id="{B61BEF0D-F0BB-DE4B-95CE-6DB70DBA9567}" type="datetimeFigureOut">
               <a:rPr lang="en-US" dirty="0"/>
               <a:pPr/>
-              <a:t>11/7/2020</a:t>
+              <a:t>11/6/2020</a:t>
             </a:fld>
             <a:endParaRPr lang="en-US" dirty="0"/>
           </a:p>
@@ -4394,7 +4393,7 @@
             <a:fld id="{B61BEF0D-F0BB-DE4B-95CE-6DB70DBA9567}" type="datetimeFigureOut">
               <a:rPr lang="en-US" dirty="0"/>
               <a:pPr/>
-              <a:t>11/7/2020</a:t>
+              <a:t>11/6/2020</a:t>
             </a:fld>
             <a:endParaRPr lang="en-US" dirty="0"/>
           </a:p>
@@ -4797,7 +4796,7 @@
             <a:fld id="{B61BEF0D-F0BB-DE4B-95CE-6DB70DBA9567}" type="datetimeFigureOut">
               <a:rPr lang="en-US" dirty="0"/>
               <a:pPr/>
-              <a:t>11/7/2020</a:t>
+              <a:t>11/6/2020</a:t>
             </a:fld>
             <a:endParaRPr lang="en-US" dirty="0"/>
           </a:p>
@@ -5469,219 +5468,21 @@
             <p:ph type="title"/>
           </p:nvPr>
         </p:nvSpPr>
-        <p:spPr>
-          <a:xfrm>
-            <a:off x="531812" y="110067"/>
-            <a:ext cx="8534400" cy="1507067"/>
-          </a:xfrm>
-        </p:spPr>
+        <p:spPr/>
         <p:txBody>
           <a:bodyPr/>
           <a:lstStyle/>
           <a:p>
             <a:r>
               <a:rPr lang="en-US" dirty="0"/>
-              <a:t>FACTOR 2 : education</a:t>
-            </a:r>
-          </a:p>
-        </p:txBody>
-      </p:sp>
-      <p:sp>
-        <p:nvSpPr>
-          <p:cNvPr id="5" name="TextBox 4"/>
-          <p:cNvSpPr txBox="1"/>
-          <p:nvPr/>
-        </p:nvSpPr>
-        <p:spPr>
-          <a:xfrm>
-            <a:off x="133350" y="1454364"/>
-            <a:ext cx="11830050" cy="1477328"/>
-          </a:xfrm>
-          <a:prstGeom prst="rect">
-            <a:avLst/>
-          </a:prstGeom>
-          <a:noFill/>
-        </p:spPr>
-        <p:txBody>
-          <a:bodyPr wrap="square" rtlCol="0">
-            <a:spAutoFit/>
-          </a:bodyPr>
-          <a:lstStyle/>
-          <a:p>
-            <a:pPr marL="285750" marR="0" lvl="0" indent="-285750" algn="l" defTabSz="457200" rtl="0" eaLnBrk="1" fontAlgn="auto" latinLnBrk="0" hangingPunct="1">
-              <a:lnSpc>
-                <a:spcPct val="100000"/>
-              </a:lnSpc>
-              <a:spcBef>
-                <a:spcPts val="0"/>
-              </a:spcBef>
-              <a:spcAft>
-                <a:spcPts val="0"/>
-              </a:spcAft>
-              <a:buClrTx/>
-              <a:buSzTx/>
-              <a:buFont typeface="Wingdings" panose="05000000000000000000" pitchFamily="2" charset="2"/>
-              <a:buChar char="Ø"/>
-              <a:tabLst/>
-              <a:defRPr/>
-            </a:pPr>
-            <a:r>
-              <a:rPr kumimoji="0" lang="en-US" sz="1800" b="0" i="0" u="none" strike="noStrike" kern="1200" cap="none" spc="0" normalizeH="0" baseline="0" noProof="0" dirty="0">
-                <a:ln>
-                  <a:noFill/>
-                </a:ln>
-                <a:solidFill>
-                  <a:prstClr val="white"/>
-                </a:solidFill>
-                <a:effectLst/>
-                <a:uLnTx/>
-                <a:uFillTx/>
-                <a:latin typeface="Century Gothic" panose="020B0502020202020204"/>
-                <a:ea typeface="+mn-ea"/>
-                <a:cs typeface="+mn-cs"/>
-              </a:rPr>
-              <a:t>Education plays a key role in country’s financial success but does it help with happiness? </a:t>
-            </a:r>
-          </a:p>
-          <a:p>
-            <a:pPr marL="285750" marR="0" lvl="0" indent="-285750" algn="l" defTabSz="457200" rtl="0" eaLnBrk="1" fontAlgn="auto" latinLnBrk="0" hangingPunct="1">
-              <a:lnSpc>
-                <a:spcPct val="100000"/>
-              </a:lnSpc>
-              <a:spcBef>
-                <a:spcPts val="0"/>
-              </a:spcBef>
-              <a:spcAft>
-                <a:spcPts val="0"/>
-              </a:spcAft>
-              <a:buClrTx/>
-              <a:buSzTx/>
-              <a:buFont typeface="Wingdings" panose="05000000000000000000" pitchFamily="2" charset="2"/>
-              <a:buChar char="Ø"/>
-              <a:tabLst/>
-              <a:defRPr/>
-            </a:pPr>
-            <a:endParaRPr lang="en-US" dirty="0">
-              <a:solidFill>
-                <a:prstClr val="white"/>
-              </a:solidFill>
-              <a:latin typeface="Century Gothic" panose="020B0502020202020204"/>
-            </a:endParaRPr>
-          </a:p>
-          <a:p>
-            <a:pPr marL="285750" marR="0" lvl="0" indent="-285750" algn="l" defTabSz="457200" rtl="0" eaLnBrk="1" fontAlgn="auto" latinLnBrk="0" hangingPunct="1">
-              <a:lnSpc>
-                <a:spcPct val="100000"/>
-              </a:lnSpc>
-              <a:spcBef>
-                <a:spcPts val="0"/>
-              </a:spcBef>
-              <a:spcAft>
-                <a:spcPts val="0"/>
-              </a:spcAft>
-              <a:buClrTx/>
-              <a:buSzTx/>
-              <a:buFont typeface="Wingdings" panose="05000000000000000000" pitchFamily="2" charset="2"/>
-              <a:buChar char="Ø"/>
-              <a:tabLst/>
-              <a:defRPr/>
-            </a:pPr>
-            <a:r>
-              <a:rPr kumimoji="0" lang="en-US" sz="1800" b="0" i="0" u="none" strike="noStrike" kern="1200" cap="none" spc="0" normalizeH="0" baseline="0" noProof="0" dirty="0">
-                <a:ln>
-                  <a:noFill/>
-                </a:ln>
-                <a:solidFill>
-                  <a:prstClr val="white"/>
-                </a:solidFill>
-                <a:effectLst/>
-                <a:uLnTx/>
-                <a:uFillTx/>
-                <a:latin typeface="Century Gothic" panose="020B0502020202020204"/>
-                <a:ea typeface="+mn-ea"/>
-                <a:cs typeface="+mn-cs"/>
-              </a:rPr>
-              <a:t>The graph proves that countries with multiple education intuitions keeps citizens its happy.</a:t>
-            </a:r>
-          </a:p>
-          <a:p>
-            <a:pPr marR="0" lvl="0" algn="l" defTabSz="457200" rtl="0" eaLnBrk="1" fontAlgn="auto" latinLnBrk="0" hangingPunct="1">
-              <a:lnSpc>
-                <a:spcPct val="100000"/>
-              </a:lnSpc>
-              <a:spcBef>
-                <a:spcPts val="0"/>
-              </a:spcBef>
-              <a:spcAft>
-                <a:spcPts val="0"/>
-              </a:spcAft>
-              <a:buClrTx/>
-              <a:buSzTx/>
-              <a:tabLst/>
-              <a:defRPr/>
-            </a:pPr>
-            <a:endParaRPr kumimoji="0" lang="en-US" sz="1800" b="0" i="0" u="none" strike="noStrike" kern="1200" cap="none" spc="0" normalizeH="0" baseline="0" noProof="0" dirty="0">
-              <a:ln>
-                <a:noFill/>
-              </a:ln>
-              <a:solidFill>
-                <a:prstClr val="white"/>
-              </a:solidFill>
-              <a:effectLst/>
-              <a:uLnTx/>
-              <a:uFillTx/>
-              <a:latin typeface="Century Gothic" panose="020B0502020202020204"/>
-              <a:ea typeface="+mn-ea"/>
-              <a:cs typeface="+mn-cs"/>
-            </a:endParaRPr>
-          </a:p>
-          <a:p>
-            <a:pPr marL="285750" marR="0" lvl="0" indent="-285750" algn="l" defTabSz="457200" rtl="0" eaLnBrk="1" fontAlgn="auto" latinLnBrk="0" hangingPunct="1">
-              <a:lnSpc>
-                <a:spcPct val="100000"/>
-              </a:lnSpc>
-              <a:spcBef>
-                <a:spcPts val="0"/>
-              </a:spcBef>
-              <a:spcAft>
-                <a:spcPts val="0"/>
-              </a:spcAft>
-              <a:buClrTx/>
-              <a:buSzTx/>
-              <a:buFont typeface="Wingdings" panose="05000000000000000000" pitchFamily="2" charset="2"/>
-              <a:buChar char="Ø"/>
-              <a:tabLst/>
-              <a:defRPr/>
-            </a:pPr>
-            <a:r>
-              <a:rPr kumimoji="0" lang="en-US" sz="1800" b="0" i="0" u="none" strike="noStrike" kern="1200" cap="none" spc="0" normalizeH="0" baseline="0" noProof="0" dirty="0">
-                <a:ln>
-                  <a:noFill/>
-                </a:ln>
-                <a:solidFill>
-                  <a:prstClr val="white"/>
-                </a:solidFill>
-                <a:effectLst/>
-                <a:uLnTx/>
-                <a:uFillTx/>
-                <a:latin typeface="Century Gothic" panose="020B0502020202020204"/>
-                <a:ea typeface="+mn-ea"/>
-                <a:cs typeface="+mn-cs"/>
-              </a:rPr>
-              <a:t>Education Location Types: ‘library', ‘museum', ‘primary school', ‘school', ‘secondary school', ‘university'</a:t>
+              <a:t>Code</a:t>
             </a:r>
           </a:p>
         </p:txBody>
       </p:sp>
       <p:pic>
         <p:nvPicPr>
-          <p:cNvPr id="4" name="Picture 3">
-            <a:extLst>
-              <a:ext uri="{FF2B5EF4-FFF2-40B4-BE49-F238E27FC236}">
-                <a16:creationId xmlns:a16="http://schemas.microsoft.com/office/drawing/2014/main" xmlns="" id="{226C36FB-B571-487F-91C6-3B4AF964A337}"/>
-              </a:ext>
-            </a:extLst>
-          </p:cNvPr>
+          <p:cNvPr id="4" name="Picture 3"/>
           <p:cNvPicPr>
             <a:picLocks noChangeAspect="1"/>
           </p:cNvPicPr>
@@ -5695,8 +5496,8 @@
         </p:blipFill>
         <p:spPr>
           <a:xfrm>
-            <a:off x="3524677" y="2961431"/>
-            <a:ext cx="4695397" cy="3706069"/>
+            <a:off x="2574705" y="322984"/>
+            <a:ext cx="7589204" cy="5280648"/>
           </a:xfrm>
           <a:prstGeom prst="rect">
             <a:avLst/>
@@ -5706,7 +5507,7 @@
     </p:spTree>
     <p:extLst>
       <p:ext uri="{BB962C8B-B14F-4D97-AF65-F5344CB8AC3E}">
-        <p14:creationId xmlns:p14="http://schemas.microsoft.com/office/powerpoint/2010/main" val="2265989139"/>
+        <p14:creationId xmlns:p14="http://schemas.microsoft.com/office/powerpoint/2010/main" val="338983442"/>
       </p:ext>
     </p:extLst>
   </p:cSld>
@@ -5745,8 +5546,8 @@
         </p:nvSpPr>
         <p:spPr>
           <a:xfrm>
-            <a:off x="202950" y="55733"/>
-            <a:ext cx="8248032" cy="1364799"/>
+            <a:off x="670778" y="5001424"/>
+            <a:ext cx="8534400" cy="1507067"/>
           </a:xfrm>
         </p:spPr>
         <p:txBody>
@@ -5755,121 +5556,14 @@
           <a:p>
             <a:r>
               <a:rPr lang="en-US" dirty="0"/>
-              <a:t>FACTOR 3 : Entertainment</a:t>
-            </a:r>
-          </a:p>
-        </p:txBody>
-      </p:sp>
-      <p:sp>
-        <p:nvSpPr>
-          <p:cNvPr id="5" name="TextBox 4"/>
-          <p:cNvSpPr txBox="1"/>
-          <p:nvPr/>
-        </p:nvSpPr>
-        <p:spPr>
-          <a:xfrm>
-            <a:off x="202950" y="1208776"/>
-            <a:ext cx="11867255" cy="1754326"/>
-          </a:xfrm>
-          <a:prstGeom prst="rect">
-            <a:avLst/>
-          </a:prstGeom>
-          <a:noFill/>
-        </p:spPr>
-        <p:txBody>
-          <a:bodyPr wrap="square" rtlCol="0">
-            <a:spAutoFit/>
-          </a:bodyPr>
-          <a:lstStyle/>
-          <a:p>
-            <a:pPr marL="285750" indent="-285750">
-              <a:buFont typeface="Wingdings" panose="05000000000000000000" pitchFamily="2" charset="2"/>
-              <a:buChar char="Ø"/>
-            </a:pPr>
-            <a:r>
-              <a:rPr lang="en-US" dirty="0"/>
-              <a:t>Having means of entertainment in the city can help people take a break from a  busy/stressful life. </a:t>
-            </a:r>
-          </a:p>
-          <a:p>
-            <a:pPr marL="285750" indent="-285750">
-              <a:buFont typeface="Wingdings" panose="05000000000000000000" pitchFamily="2" charset="2"/>
-              <a:buChar char="Ø"/>
-            </a:pPr>
-            <a:endParaRPr lang="en-US" dirty="0"/>
-          </a:p>
-          <a:p>
-            <a:pPr marL="285750" indent="-285750">
-              <a:buFont typeface="Wingdings" panose="05000000000000000000" pitchFamily="2" charset="2"/>
-              <a:buChar char="Ø"/>
-            </a:pPr>
-            <a:r>
-              <a:rPr lang="en-US" dirty="0"/>
-              <a:t>The graph shows entertainment is directly proportional to the happiness index </a:t>
-            </a:r>
-          </a:p>
-          <a:p>
-            <a:pPr marL="285750" indent="-285750">
-              <a:buFont typeface="Wingdings" panose="05000000000000000000" pitchFamily="2" charset="2"/>
-              <a:buChar char="Ø"/>
-            </a:pPr>
-            <a:endParaRPr lang="en-US" dirty="0"/>
-          </a:p>
-          <a:p>
-            <a:pPr marL="285750" indent="-285750">
-              <a:buFont typeface="Wingdings" panose="05000000000000000000" pitchFamily="2" charset="2"/>
-              <a:buChar char="Ø"/>
-            </a:pPr>
-            <a:r>
-              <a:rPr lang="en-US" dirty="0"/>
-              <a:t>Entertainment Location Types: '</a:t>
-            </a:r>
-            <a:r>
-              <a:rPr lang="en-US" dirty="0" err="1"/>
-              <a:t>amusement_park</a:t>
-            </a:r>
-            <a:r>
-              <a:rPr lang="en-US" dirty="0"/>
-              <a:t>', 'aquarium', '</a:t>
-            </a:r>
-            <a:r>
-              <a:rPr lang="en-US" dirty="0" err="1"/>
-              <a:t>art_gallery</a:t>
-            </a:r>
-            <a:r>
-              <a:rPr lang="en-US" dirty="0"/>
-              <a:t>‘, '</a:t>
-            </a:r>
-            <a:r>
-              <a:rPr lang="en-US" dirty="0" err="1"/>
-              <a:t>movie_theater</a:t>
-            </a:r>
-            <a:r>
-              <a:rPr lang="en-US" dirty="0"/>
-              <a:t>', '</a:t>
-            </a:r>
-            <a:r>
-              <a:rPr lang="en-US" dirty="0" err="1"/>
-              <a:t>night_club</a:t>
-            </a:r>
-            <a:r>
-              <a:rPr lang="en-US" dirty="0"/>
-              <a:t>', 'stadium', '</a:t>
-            </a:r>
-            <a:r>
-              <a:rPr lang="en-US" dirty="0" err="1"/>
-              <a:t>tourist_attraction</a:t>
-            </a:r>
-            <a:r>
-              <a:rPr lang="en-US" dirty="0"/>
-              <a:t>', 'zoo'</a:t>
+              <a:t>Code Cont.</a:t>
             </a:r>
           </a:p>
         </p:txBody>
       </p:sp>
       <p:pic>
         <p:nvPicPr>
-          <p:cNvPr id="3" name="Picture 2"/>
+          <p:cNvPr id="5" name="Picture 4"/>
           <p:cNvPicPr>
             <a:picLocks noChangeAspect="1"/>
           </p:cNvPicPr>
@@ -5883,8 +5577,32 @@
         </p:blipFill>
         <p:spPr>
           <a:xfrm>
-            <a:off x="3114675" y="2963102"/>
-            <a:ext cx="4133850" cy="3190875"/>
+            <a:off x="1099403" y="208232"/>
+            <a:ext cx="7991475" cy="2171700"/>
+          </a:xfrm>
+          <a:prstGeom prst="rect">
+            <a:avLst/>
+          </a:prstGeom>
+        </p:spPr>
+      </p:pic>
+      <p:pic>
+        <p:nvPicPr>
+          <p:cNvPr id="6" name="Picture 5"/>
+          <p:cNvPicPr>
+            <a:picLocks noChangeAspect="1"/>
+          </p:cNvPicPr>
+          <p:nvPr/>
+        </p:nvPicPr>
+        <p:blipFill>
+          <a:blip r:embed="rId3"/>
+          <a:stretch>
+            <a:fillRect/>
+          </a:stretch>
+        </p:blipFill>
+        <p:spPr>
+          <a:xfrm>
+            <a:off x="1099403" y="2801149"/>
+            <a:ext cx="8105775" cy="2200275"/>
           </a:xfrm>
           <a:prstGeom prst="rect">
             <a:avLst/>
@@ -5894,7 +5612,7 @@
     </p:spTree>
     <p:extLst>
       <p:ext uri="{BB962C8B-B14F-4D97-AF65-F5344CB8AC3E}">
-        <p14:creationId xmlns:p14="http://schemas.microsoft.com/office/powerpoint/2010/main" val="2835790720"/>
+        <p14:creationId xmlns:p14="http://schemas.microsoft.com/office/powerpoint/2010/main" val="2937667280"/>
       </p:ext>
     </p:extLst>
   </p:cSld>
@@ -5933,7 +5651,7 @@
         </p:nvSpPr>
         <p:spPr>
           <a:xfrm>
-            <a:off x="303925" y="0"/>
+            <a:off x="649043" y="4674902"/>
             <a:ext cx="8534400" cy="1507067"/>
           </a:xfrm>
         </p:spPr>
@@ -5943,362 +5661,14 @@
           <a:p>
             <a:r>
               <a:rPr lang="en-US" dirty="0"/>
-              <a:t>FACTOR 4 : transportation </a:t>
-            </a:r>
-          </a:p>
-        </p:txBody>
-      </p:sp>
-      <p:sp>
-        <p:nvSpPr>
-          <p:cNvPr id="5" name="TextBox 4"/>
-          <p:cNvSpPr txBox="1"/>
-          <p:nvPr/>
-        </p:nvSpPr>
-        <p:spPr>
-          <a:xfrm>
-            <a:off x="355478" y="1179808"/>
-            <a:ext cx="11481043" cy="1754326"/>
-          </a:xfrm>
-          <a:prstGeom prst="rect">
-            <a:avLst/>
-          </a:prstGeom>
-          <a:noFill/>
-        </p:spPr>
-        <p:txBody>
-          <a:bodyPr wrap="square" rtlCol="0">
-            <a:spAutoFit/>
-          </a:bodyPr>
-          <a:lstStyle/>
-          <a:p>
-            <a:pPr marL="285750" marR="0" lvl="0" indent="-285750" algn="l" defTabSz="457200" rtl="0" eaLnBrk="1" fontAlgn="auto" latinLnBrk="0" hangingPunct="1">
-              <a:lnSpc>
-                <a:spcPct val="100000"/>
-              </a:lnSpc>
-              <a:spcBef>
-                <a:spcPts val="0"/>
-              </a:spcBef>
-              <a:spcAft>
-                <a:spcPts val="0"/>
-              </a:spcAft>
-              <a:buClrTx/>
-              <a:buSzTx/>
-              <a:buFont typeface="Wingdings" panose="05000000000000000000" pitchFamily="2" charset="2"/>
-              <a:buChar char="Ø"/>
-              <a:tabLst/>
-              <a:defRPr/>
-            </a:pPr>
-            <a:r>
-              <a:rPr lang="en-US" dirty="0">
-                <a:solidFill>
-                  <a:prstClr val="white"/>
-                </a:solidFill>
-                <a:latin typeface="Century Gothic" panose="020B0502020202020204"/>
-              </a:rPr>
-              <a:t>Easy  and fast transportation helps citizens live stress-free life. The graph depicts the same. </a:t>
-            </a:r>
-          </a:p>
-          <a:p>
-            <a:pPr marR="0" lvl="0" algn="l" defTabSz="457200" rtl="0" eaLnBrk="1" fontAlgn="auto" latinLnBrk="0" hangingPunct="1">
-              <a:lnSpc>
-                <a:spcPct val="100000"/>
-              </a:lnSpc>
-              <a:spcBef>
-                <a:spcPts val="0"/>
-              </a:spcBef>
-              <a:spcAft>
-                <a:spcPts val="0"/>
-              </a:spcAft>
-              <a:buClrTx/>
-              <a:buSzTx/>
-              <a:tabLst/>
-              <a:defRPr/>
-            </a:pPr>
-            <a:endParaRPr lang="en-US" dirty="0">
-              <a:solidFill>
-                <a:prstClr val="white"/>
-              </a:solidFill>
-              <a:latin typeface="Century Gothic" panose="020B0502020202020204"/>
-            </a:endParaRPr>
-          </a:p>
-          <a:p>
-            <a:pPr marL="285750" marR="0" lvl="0" indent="-285750" algn="l" defTabSz="457200" rtl="0" eaLnBrk="1" fontAlgn="auto" latinLnBrk="0" hangingPunct="1">
-              <a:lnSpc>
-                <a:spcPct val="100000"/>
-              </a:lnSpc>
-              <a:spcBef>
-                <a:spcPts val="0"/>
-              </a:spcBef>
-              <a:spcAft>
-                <a:spcPts val="0"/>
-              </a:spcAft>
-              <a:buClrTx/>
-              <a:buSzTx/>
-              <a:buFont typeface="Wingdings" panose="05000000000000000000" pitchFamily="2" charset="2"/>
-              <a:buChar char="Ø"/>
-              <a:tabLst/>
-              <a:defRPr/>
-            </a:pPr>
-            <a:r>
-              <a:rPr lang="en-US" dirty="0">
-                <a:solidFill>
-                  <a:prstClr val="white"/>
-                </a:solidFill>
-                <a:latin typeface="Century Gothic" panose="020B0502020202020204"/>
-              </a:rPr>
-              <a:t>Having multiple transport mediums helps people travel with ease, hence contributing to less stress.   </a:t>
-            </a:r>
-          </a:p>
-          <a:p>
-            <a:pPr marL="285750" marR="0" lvl="0" indent="-285750" algn="l" defTabSz="457200" rtl="0" eaLnBrk="1" fontAlgn="auto" latinLnBrk="0" hangingPunct="1">
-              <a:lnSpc>
-                <a:spcPct val="100000"/>
-              </a:lnSpc>
-              <a:spcBef>
-                <a:spcPts val="0"/>
-              </a:spcBef>
-              <a:spcAft>
-                <a:spcPts val="0"/>
-              </a:spcAft>
-              <a:buClrTx/>
-              <a:buSzTx/>
-              <a:buFont typeface="Wingdings" panose="05000000000000000000" pitchFamily="2" charset="2"/>
-              <a:buChar char="Ø"/>
-              <a:tabLst/>
-              <a:defRPr/>
-            </a:pPr>
-            <a:endParaRPr lang="en-US" dirty="0">
-              <a:solidFill>
-                <a:prstClr val="white"/>
-              </a:solidFill>
-              <a:latin typeface="Century Gothic" panose="020B0502020202020204"/>
-            </a:endParaRPr>
-          </a:p>
-          <a:p>
-            <a:pPr marL="285750" marR="0" lvl="0" indent="-285750" algn="l" defTabSz="457200" rtl="0" eaLnBrk="1" fontAlgn="auto" latinLnBrk="0" hangingPunct="1">
-              <a:lnSpc>
-                <a:spcPct val="100000"/>
-              </a:lnSpc>
-              <a:spcBef>
-                <a:spcPts val="0"/>
-              </a:spcBef>
-              <a:spcAft>
-                <a:spcPts val="0"/>
-              </a:spcAft>
-              <a:buClrTx/>
-              <a:buSzTx/>
-              <a:buFont typeface="Wingdings" panose="05000000000000000000" pitchFamily="2" charset="2"/>
-              <a:buChar char="Ø"/>
-              <a:tabLst/>
-              <a:defRPr/>
-            </a:pPr>
-            <a:r>
-              <a:rPr lang="en-US" dirty="0">
-                <a:solidFill>
-                  <a:prstClr val="white"/>
-                </a:solidFill>
-                <a:latin typeface="Century Gothic" panose="020B0502020202020204"/>
-              </a:rPr>
-              <a:t> </a:t>
-            </a:r>
-            <a:r>
-              <a:rPr kumimoji="0" lang="en-US" sz="1800" b="0" i="0" u="none" strike="noStrike" kern="1200" cap="none" spc="0" normalizeH="0" baseline="0" noProof="0" dirty="0">
-                <a:ln>
-                  <a:noFill/>
-                </a:ln>
-                <a:solidFill>
-                  <a:prstClr val="white"/>
-                </a:solidFill>
-                <a:effectLst/>
-                <a:uLnTx/>
-                <a:uFillTx/>
-                <a:latin typeface="Century Gothic" panose="020B0502020202020204"/>
-                <a:ea typeface="+mn-ea"/>
-                <a:cs typeface="+mn-cs"/>
-              </a:rPr>
-              <a:t>Transportation Location Types: ‘airport', ‘</a:t>
-            </a:r>
-            <a:r>
-              <a:rPr kumimoji="0" lang="en-US" sz="1800" b="0" i="0" u="none" strike="noStrike" kern="1200" cap="none" spc="0" normalizeH="0" baseline="0" noProof="0" dirty="0" err="1">
-                <a:ln>
-                  <a:noFill/>
-                </a:ln>
-                <a:solidFill>
-                  <a:prstClr val="white"/>
-                </a:solidFill>
-                <a:effectLst/>
-                <a:uLnTx/>
-                <a:uFillTx/>
-                <a:latin typeface="Century Gothic" panose="020B0502020202020204"/>
-                <a:ea typeface="+mn-ea"/>
-                <a:cs typeface="+mn-cs"/>
-              </a:rPr>
-              <a:t>bus_station</a:t>
-            </a:r>
-            <a:r>
-              <a:rPr kumimoji="0" lang="en-US" sz="1800" b="0" i="0" u="none" strike="noStrike" kern="1200" cap="none" spc="0" normalizeH="0" baseline="0" noProof="0" dirty="0">
-                <a:ln>
-                  <a:noFill/>
-                </a:ln>
-                <a:solidFill>
-                  <a:prstClr val="white"/>
-                </a:solidFill>
-                <a:effectLst/>
-                <a:uLnTx/>
-                <a:uFillTx/>
-                <a:latin typeface="Century Gothic" panose="020B0502020202020204"/>
-                <a:ea typeface="+mn-ea"/>
-                <a:cs typeface="+mn-cs"/>
-              </a:rPr>
-              <a:t>', ‘</a:t>
-            </a:r>
-            <a:r>
-              <a:rPr kumimoji="0" lang="en-US" sz="1800" b="0" i="0" u="none" strike="noStrike" kern="1200" cap="none" spc="0" normalizeH="0" baseline="0" noProof="0" dirty="0" err="1">
-                <a:ln>
-                  <a:noFill/>
-                </a:ln>
-                <a:solidFill>
-                  <a:prstClr val="white"/>
-                </a:solidFill>
-                <a:effectLst/>
-                <a:uLnTx/>
-                <a:uFillTx/>
-                <a:latin typeface="Century Gothic" panose="020B0502020202020204"/>
-                <a:ea typeface="+mn-ea"/>
-                <a:cs typeface="+mn-cs"/>
-              </a:rPr>
-              <a:t>light_rail_station</a:t>
-            </a:r>
-            <a:r>
-              <a:rPr kumimoji="0" lang="en-US" sz="1800" b="0" i="0" u="none" strike="noStrike" kern="1200" cap="none" spc="0" normalizeH="0" baseline="0" noProof="0" dirty="0">
-                <a:ln>
-                  <a:noFill/>
-                </a:ln>
-                <a:solidFill>
-                  <a:prstClr val="white"/>
-                </a:solidFill>
-                <a:effectLst/>
-                <a:uLnTx/>
-                <a:uFillTx/>
-                <a:latin typeface="Century Gothic" panose="020B0502020202020204"/>
-                <a:ea typeface="+mn-ea"/>
-                <a:cs typeface="+mn-cs"/>
-              </a:rPr>
-              <a:t>', ‘</a:t>
-            </a:r>
-            <a:r>
-              <a:rPr kumimoji="0" lang="en-US" sz="1800" b="0" i="0" u="none" strike="noStrike" kern="1200" cap="none" spc="0" normalizeH="0" baseline="0" noProof="0" dirty="0" err="1">
-                <a:ln>
-                  <a:noFill/>
-                </a:ln>
-                <a:solidFill>
-                  <a:prstClr val="white"/>
-                </a:solidFill>
-                <a:effectLst/>
-                <a:uLnTx/>
-                <a:uFillTx/>
-                <a:latin typeface="Century Gothic" panose="020B0502020202020204"/>
-                <a:ea typeface="+mn-ea"/>
-                <a:cs typeface="+mn-cs"/>
-              </a:rPr>
-              <a:t>subway_station</a:t>
-            </a:r>
-            <a:r>
-              <a:rPr kumimoji="0" lang="en-US" sz="1800" b="0" i="0" u="none" strike="noStrike" kern="1200" cap="none" spc="0" normalizeH="0" baseline="0" noProof="0" dirty="0">
-                <a:ln>
-                  <a:noFill/>
-                </a:ln>
-                <a:solidFill>
-                  <a:prstClr val="white"/>
-                </a:solidFill>
-                <a:effectLst/>
-                <a:uLnTx/>
-                <a:uFillTx/>
-                <a:latin typeface="Century Gothic" panose="020B0502020202020204"/>
-                <a:ea typeface="+mn-ea"/>
-                <a:cs typeface="+mn-cs"/>
-              </a:rPr>
-              <a:t>', ‘</a:t>
-            </a:r>
-            <a:r>
-              <a:rPr kumimoji="0" lang="en-US" sz="1800" b="0" i="0" u="none" strike="noStrike" kern="1200" cap="none" spc="0" normalizeH="0" baseline="0" noProof="0" dirty="0" err="1">
-                <a:ln>
-                  <a:noFill/>
-                </a:ln>
-                <a:solidFill>
-                  <a:prstClr val="white"/>
-                </a:solidFill>
-                <a:effectLst/>
-                <a:uLnTx/>
-                <a:uFillTx/>
-                <a:latin typeface="Century Gothic" panose="020B0502020202020204"/>
-                <a:ea typeface="+mn-ea"/>
-                <a:cs typeface="+mn-cs"/>
-              </a:rPr>
-              <a:t>train_station</a:t>
-            </a:r>
-            <a:r>
-              <a:rPr kumimoji="0" lang="en-US" sz="1800" b="0" i="0" u="none" strike="noStrike" kern="1200" cap="none" spc="0" normalizeH="0" baseline="0" noProof="0" dirty="0">
-                <a:ln>
-                  <a:noFill/>
-                </a:ln>
-                <a:solidFill>
-                  <a:prstClr val="white"/>
-                </a:solidFill>
-                <a:effectLst/>
-                <a:uLnTx/>
-                <a:uFillTx/>
-                <a:latin typeface="Century Gothic" panose="020B0502020202020204"/>
-                <a:ea typeface="+mn-ea"/>
-                <a:cs typeface="+mn-cs"/>
-              </a:rPr>
-              <a:t>', ‘</a:t>
-            </a:r>
-            <a:r>
-              <a:rPr kumimoji="0" lang="en-US" sz="1800" b="0" i="0" u="none" strike="noStrike" kern="1200" cap="none" spc="0" normalizeH="0" baseline="0" noProof="0" dirty="0" err="1">
-                <a:ln>
-                  <a:noFill/>
-                </a:ln>
-                <a:solidFill>
-                  <a:prstClr val="white"/>
-                </a:solidFill>
-                <a:effectLst/>
-                <a:uLnTx/>
-                <a:uFillTx/>
-                <a:latin typeface="Century Gothic" panose="020B0502020202020204"/>
-                <a:ea typeface="+mn-ea"/>
-                <a:cs typeface="+mn-cs"/>
-              </a:rPr>
-              <a:t>transit_station</a:t>
-            </a:r>
-            <a:r>
-              <a:rPr kumimoji="0" lang="en-US" sz="1800" b="0" i="0" u="none" strike="noStrike" kern="1200" cap="none" spc="0" normalizeH="0" baseline="0" noProof="0" dirty="0">
-                <a:ln>
-                  <a:noFill/>
-                </a:ln>
-                <a:solidFill>
-                  <a:prstClr val="white"/>
-                </a:solidFill>
-                <a:effectLst/>
-                <a:uLnTx/>
-                <a:uFillTx/>
-                <a:latin typeface="Century Gothic" panose="020B0502020202020204"/>
-                <a:ea typeface="+mn-ea"/>
-                <a:cs typeface="+mn-cs"/>
-              </a:rPr>
-              <a:t>'</a:t>
+              <a:t>Code Cont.</a:t>
             </a:r>
           </a:p>
         </p:txBody>
       </p:sp>
       <p:pic>
         <p:nvPicPr>
-          <p:cNvPr id="4" name="Picture 3">
-            <a:extLst>
-              <a:ext uri="{FF2B5EF4-FFF2-40B4-BE49-F238E27FC236}">
-                <a16:creationId xmlns:a16="http://schemas.microsoft.com/office/drawing/2014/main" xmlns="" id="{53F43638-D3C8-4A35-99AB-A43EC8F4F34D}"/>
-              </a:ext>
-            </a:extLst>
-          </p:cNvPr>
+          <p:cNvPr id="4" name="Picture 3"/>
           <p:cNvPicPr>
             <a:picLocks noChangeAspect="1"/>
           </p:cNvPicPr>
@@ -6312,8 +5682,8 @@
         </p:blipFill>
         <p:spPr>
           <a:xfrm>
-            <a:off x="4064194" y="2791327"/>
-            <a:ext cx="4492665" cy="3676596"/>
+            <a:off x="2462211" y="147592"/>
+            <a:ext cx="7865819" cy="4786311"/>
           </a:xfrm>
           <a:prstGeom prst="rect">
             <a:avLst/>
@@ -6323,7 +5693,7 @@
     </p:spTree>
     <p:extLst>
       <p:ext uri="{BB962C8B-B14F-4D97-AF65-F5344CB8AC3E}">
-        <p14:creationId xmlns:p14="http://schemas.microsoft.com/office/powerpoint/2010/main" val="1833258672"/>
+        <p14:creationId xmlns:p14="http://schemas.microsoft.com/office/powerpoint/2010/main" val="1088551649"/>
       </p:ext>
     </p:extLst>
   </p:cSld>
@@ -6360,28 +5730,30 @@
             <p:ph type="title"/>
           </p:nvPr>
         </p:nvSpPr>
-        <p:spPr/>
+        <p:spPr>
+          <a:xfrm>
+            <a:off x="646112" y="4792132"/>
+            <a:ext cx="8534400" cy="1507067"/>
+          </a:xfrm>
+        </p:spPr>
         <p:txBody>
           <a:bodyPr/>
           <a:lstStyle/>
           <a:p>
             <a:r>
-              <a:rPr lang="en-US" dirty="0" smtClean="0"/>
-              <a:t>Combined totals</a:t>
-            </a:r>
-            <a:endParaRPr lang="en-US" dirty="0"/>
+              <a:rPr lang="en-US" dirty="0"/>
+              <a:t>Code Cont.</a:t>
+            </a:r>
           </a:p>
         </p:txBody>
       </p:sp>
       <p:pic>
         <p:nvPicPr>
-          <p:cNvPr id="8" name="Content Placeholder 7"/>
+          <p:cNvPr id="4" name="Picture 3"/>
           <p:cNvPicPr>
-            <a:picLocks noGrp="1" noChangeAspect="1"/>
+            <a:picLocks noChangeAspect="1"/>
           </p:cNvPicPr>
-          <p:nvPr>
-            <p:ph idx="1"/>
-          </p:nvPr>
+          <p:nvPr/>
         </p:nvPicPr>
         <p:blipFill>
           <a:blip r:embed="rId2"/>
@@ -6391,48 +5763,18 @@
         </p:blipFill>
         <p:spPr>
           <a:xfrm>
-            <a:off x="2936875" y="754856"/>
-            <a:ext cx="4029075" cy="3476625"/>
+            <a:off x="2914285" y="208957"/>
+            <a:ext cx="6827594" cy="4835871"/>
           </a:xfrm>
           <a:prstGeom prst="rect">
             <a:avLst/>
           </a:prstGeom>
         </p:spPr>
       </p:pic>
-      <p:sp>
-        <p:nvSpPr>
-          <p:cNvPr id="9" name="TextBox 8"/>
-          <p:cNvSpPr txBox="1"/>
-          <p:nvPr/>
-        </p:nvSpPr>
-        <p:spPr>
-          <a:xfrm>
-            <a:off x="1227221" y="192505"/>
-            <a:ext cx="7820526" cy="369332"/>
-          </a:xfrm>
-          <a:prstGeom prst="rect">
-            <a:avLst/>
-          </a:prstGeom>
-          <a:noFill/>
-        </p:spPr>
-        <p:txBody>
-          <a:bodyPr wrap="square" rtlCol="0">
-            <a:spAutoFit/>
-          </a:bodyPr>
-          <a:lstStyle/>
-          <a:p>
-            <a:r>
-              <a:rPr lang="en-US" dirty="0" smtClean="0"/>
-              <a:t>Combined view of location totals</a:t>
-            </a:r>
-            <a:endParaRPr lang="en-US" dirty="0"/>
-          </a:p>
-        </p:txBody>
-      </p:sp>
     </p:spTree>
     <p:extLst>
       <p:ext uri="{BB962C8B-B14F-4D97-AF65-F5344CB8AC3E}">
-        <p14:creationId xmlns:p14="http://schemas.microsoft.com/office/powerpoint/2010/main" val="4066630114"/>
+        <p14:creationId xmlns:p14="http://schemas.microsoft.com/office/powerpoint/2010/main" val="23726931"/>
       </p:ext>
     </p:extLst>
   </p:cSld>
@@ -6461,97 +5803,10 @@
       </p:grpSpPr>
       <p:sp>
         <p:nvSpPr>
-          <p:cNvPr id="2" name="Title 1"/>
-          <p:cNvSpPr>
-            <a:spLocks noGrp="1"/>
-          </p:cNvSpPr>
-          <p:nvPr>
-            <p:ph type="title"/>
-          </p:nvPr>
-        </p:nvSpPr>
-        <p:spPr/>
-        <p:txBody>
-          <a:bodyPr/>
-          <a:lstStyle/>
-          <a:p>
-            <a:r>
-              <a:rPr lang="en-US" dirty="0" smtClean="0"/>
-              <a:t>What we would have done with more time</a:t>
-            </a:r>
-            <a:endParaRPr lang="en-US" dirty="0"/>
-          </a:p>
-        </p:txBody>
-      </p:sp>
-      <p:sp>
-        <p:nvSpPr>
-          <p:cNvPr id="3" name="Content Placeholder 2"/>
-          <p:cNvSpPr>
-            <a:spLocks noGrp="1"/>
-          </p:cNvSpPr>
-          <p:nvPr>
-            <p:ph idx="1"/>
-          </p:nvPr>
-        </p:nvSpPr>
-        <p:spPr/>
-        <p:txBody>
-          <a:bodyPr/>
-          <a:lstStyle/>
-          <a:p>
-            <a:r>
-              <a:rPr lang="en-US" dirty="0"/>
-              <a:t>We would have looked for sources that can give us data on how much these countries spend on mental health. That would have helped solidify our research.</a:t>
-            </a:r>
-          </a:p>
-          <a:p>
-            <a:r>
-              <a:rPr lang="en-US" dirty="0"/>
-              <a:t>We wanted to compare the happiness score to the population size of the country? Do smaller countries tend to be more happy or vice versa?</a:t>
-            </a:r>
-          </a:p>
-          <a:p>
-            <a:pPr marL="0" indent="0">
-              <a:buNone/>
-            </a:pPr>
-            <a:endParaRPr lang="en-US" dirty="0"/>
-          </a:p>
-        </p:txBody>
-      </p:sp>
-    </p:spTree>
-    <p:extLst>
-      <p:ext uri="{BB962C8B-B14F-4D97-AF65-F5344CB8AC3E}">
-        <p14:creationId xmlns:p14="http://schemas.microsoft.com/office/powerpoint/2010/main" val="2836388811"/>
-      </p:ext>
-    </p:extLst>
-  </p:cSld>
-  <p:clrMapOvr>
-    <a:masterClrMapping/>
-  </p:clrMapOvr>
-</p:sld>
-</file>
-
-<file path=ppt/slides/slide15.xml><?xml version="1.0" encoding="utf-8"?>
-<p:sld xmlns:a="http://schemas.openxmlformats.org/drawingml/2006/main" xmlns:r="http://schemas.openxmlformats.org/officeDocument/2006/relationships" xmlns:p="http://schemas.openxmlformats.org/presentationml/2006/main">
-  <p:cSld>
-    <p:spTree>
-      <p:nvGrpSpPr>
-        <p:cNvPr id="1" name=""/>
-        <p:cNvGrpSpPr/>
-        <p:nvPr/>
-      </p:nvGrpSpPr>
-      <p:grpSpPr>
-        <a:xfrm>
-          <a:off x="0" y="0"/>
-          <a:ext cx="0" cy="0"/>
-          <a:chOff x="0" y="0"/>
-          <a:chExt cx="0" cy="0"/>
-        </a:xfrm>
-      </p:grpSpPr>
-      <p:sp>
-        <p:nvSpPr>
           <p:cNvPr id="2" name="Title 1">
             <a:extLst>
               <a:ext uri="{FF2B5EF4-FFF2-40B4-BE49-F238E27FC236}">
-                <a16:creationId xmlns:a16="http://schemas.microsoft.com/office/drawing/2014/main" xmlns="" id="{C03761D7-463E-4382-B451-DAE69EA2EF65}"/>
+                <a16:creationId xmlns:a16="http://schemas.microsoft.com/office/drawing/2014/main" id="{C03761D7-463E-4382-B451-DAE69EA2EF65}"/>
               </a:ext>
             </a:extLst>
           </p:cNvPr>
@@ -6640,7 +5895,7 @@
           <p:cNvPr id="7" name="Picture 6" descr="Shape&#10;&#10;Description automatically generated">
             <a:extLst>
               <a:ext uri="{FF2B5EF4-FFF2-40B4-BE49-F238E27FC236}">
-                <a16:creationId xmlns:a16="http://schemas.microsoft.com/office/drawing/2014/main" xmlns="" id="{0DAF0B2B-407A-4793-9208-8FC04E127F64}"/>
+                <a16:creationId xmlns:a16="http://schemas.microsoft.com/office/drawing/2014/main" id="{0DAF0B2B-407A-4793-9208-8FC04E127F64}"/>
               </a:ext>
             </a:extLst>
           </p:cNvPr>
@@ -6670,7 +5925,7 @@
           <p:cNvPr id="9" name="TextBox 8">
             <a:extLst>
               <a:ext uri="{FF2B5EF4-FFF2-40B4-BE49-F238E27FC236}">
-                <a16:creationId xmlns:a16="http://schemas.microsoft.com/office/drawing/2014/main" xmlns="" id="{5B0F958B-ACD7-4E44-B6E8-B2D0F149DA01}"/>
+                <a16:creationId xmlns:a16="http://schemas.microsoft.com/office/drawing/2014/main" id="{5B0F958B-ACD7-4E44-B6E8-B2D0F149DA01}"/>
               </a:ext>
             </a:extLst>
           </p:cNvPr>
@@ -7306,7 +6561,7 @@
           <p:cNvPr id="2" name="Title 1">
             <a:extLst>
               <a:ext uri="{FF2B5EF4-FFF2-40B4-BE49-F238E27FC236}">
-                <a16:creationId xmlns:a16="http://schemas.microsoft.com/office/drawing/2014/main" xmlns="" id="{0627F85E-A4FF-4B82-BEE8-288F6C7751F4}"/>
+                <a16:creationId xmlns:a16="http://schemas.microsoft.com/office/drawing/2014/main" id="{0627F85E-A4FF-4B82-BEE8-288F6C7751F4}"/>
               </a:ext>
             </a:extLst>
           </p:cNvPr>
@@ -7339,7 +6594,7 @@
           <p:cNvPr id="3" name="Subtitle 2">
             <a:extLst>
               <a:ext uri="{FF2B5EF4-FFF2-40B4-BE49-F238E27FC236}">
-                <a16:creationId xmlns:a16="http://schemas.microsoft.com/office/drawing/2014/main" xmlns="" id="{54724EC3-A839-4E11-9FC2-ABFFDCA24B01}"/>
+                <a16:creationId xmlns:a16="http://schemas.microsoft.com/office/drawing/2014/main" id="{54724EC3-A839-4E11-9FC2-ABFFDCA24B01}"/>
               </a:ext>
             </a:extLst>
           </p:cNvPr>
@@ -7443,10 +6698,6 @@
               </a:rPr>
               <a:t>https://developers.google.com/maps/documentation/geocoding/overview</a:t>
             </a:r>
-            <a:r>
-              <a:rPr lang="en-US" u="sng" dirty="0"/>
-              <a:t/>
-            </a:r>
             <a:br>
               <a:rPr lang="en-US" u="sng" dirty="0"/>
             </a:br>
@@ -7479,23 +6730,8 @@
             </a:pPr>
             <a:r>
               <a:rPr lang="en-US" dirty="0"/>
-              <a:t>Each slide will deal with a particular issue and answer the question raised in previous </a:t>
-            </a:r>
-            <a:r>
-              <a:rPr lang="en-US" dirty="0" smtClean="0"/>
-              <a:t>slide</a:t>
-            </a:r>
-          </a:p>
-          <a:p>
-            <a:pPr marL="342900" indent="-342900">
-              <a:buFont typeface="Wingdings" panose="05000000000000000000" pitchFamily="2" charset="2"/>
-              <a:buChar char="Ø"/>
-            </a:pPr>
-            <a:r>
-              <a:rPr lang="en-US" dirty="0" smtClean="0"/>
-              <a:t>Ladder score of happiness data was increased by factor of 10 to scale the data similarly</a:t>
-            </a:r>
-            <a:endParaRPr lang="en-US" dirty="0"/>
+              <a:t>Each slide will deal with a particular issue and answer the question raised in previous slide</a:t>
+            </a:r>
           </a:p>
           <a:p>
             <a:pPr marL="285750" indent="-285750">
@@ -7518,7 +6754,7 @@
           <p:cNvPr id="5" name="Picture 4" descr="Diagram&#10;&#10;Description automatically generated">
             <a:extLst>
               <a:ext uri="{FF2B5EF4-FFF2-40B4-BE49-F238E27FC236}">
-                <a16:creationId xmlns:a16="http://schemas.microsoft.com/office/drawing/2014/main" xmlns="" id="{14607F3D-E917-404A-B5D8-BB1BCBE62455}"/>
+                <a16:creationId xmlns:a16="http://schemas.microsoft.com/office/drawing/2014/main" id="{14607F3D-E917-404A-B5D8-BB1BCBE62455}"/>
               </a:ext>
             </a:extLst>
           </p:cNvPr>
@@ -7944,67 +7180,6 @@
                       </p:childTnLst>
                     </p:cTn>
                   </p:par>
-                  <p:par>
-                    <p:cTn id="34" fill="hold">
-                      <p:stCondLst>
-                        <p:cond delay="indefinite"/>
-                      </p:stCondLst>
-                      <p:childTnLst>
-                        <p:par>
-                          <p:cTn id="35" fill="hold">
-                            <p:stCondLst>
-                              <p:cond delay="0"/>
-                            </p:stCondLst>
-                            <p:childTnLst>
-                              <p:par>
-                                <p:cTn id="36" presetID="10" presetClass="entr" presetSubtype="0" fill="hold" nodeType="clickEffect">
-                                  <p:stCondLst>
-                                    <p:cond delay="0"/>
-                                  </p:stCondLst>
-                                  <p:childTnLst>
-                                    <p:set>
-                                      <p:cBhvr>
-                                        <p:cTn id="37" dur="1" fill="hold">
-                                          <p:stCondLst>
-                                            <p:cond delay="0"/>
-                                          </p:stCondLst>
-                                        </p:cTn>
-                                        <p:tgtEl>
-                                          <p:spTgt spid="3">
-                                            <p:txEl>
-                                              <p:pRg st="6" end="6"/>
-                                            </p:txEl>
-                                          </p:spTgt>
-                                        </p:tgtEl>
-                                        <p:attrNameLst>
-                                          <p:attrName>style.visibility</p:attrName>
-                                        </p:attrNameLst>
-                                      </p:cBhvr>
-                                      <p:to>
-                                        <p:strVal val="visible"/>
-                                      </p:to>
-                                    </p:set>
-                                    <p:animEffect transition="in" filter="fade">
-                                      <p:cBhvr>
-                                        <p:cTn id="38" dur="500"/>
-                                        <p:tgtEl>
-                                          <p:spTgt spid="3">
-                                            <p:txEl>
-                                              <p:pRg st="6" end="6"/>
-                                            </p:txEl>
-                                          </p:spTgt>
-                                        </p:tgtEl>
-                                      </p:cBhvr>
-                                    </p:animEffect>
-                                  </p:childTnLst>
-                                </p:cTn>
-                              </p:par>
-                            </p:childTnLst>
-                          </p:cTn>
-                        </p:par>
-                      </p:childTnLst>
-                    </p:cTn>
-                  </p:par>
                 </p:childTnLst>
               </p:cTn>
               <p:prevCondLst>
@@ -8057,21 +7232,31 @@
             <p:ph type="title"/>
           </p:nvPr>
         </p:nvSpPr>
-        <p:spPr/>
+        <p:spPr>
+          <a:xfrm>
+            <a:off x="544223" y="0"/>
+            <a:ext cx="7418677" cy="1533478"/>
+          </a:xfrm>
+        </p:spPr>
         <p:txBody>
           <a:bodyPr/>
           <a:lstStyle/>
           <a:p>
             <a:r>
               <a:rPr lang="en-US" dirty="0"/>
-              <a:t>Code</a:t>
-            </a:r>
+              <a:t>Factor 1 : </a:t>
+            </a:r>
+            <a:r>
+              <a:rPr lang="en-US" dirty="0" err="1"/>
+              <a:t>HealthCARE</a:t>
+            </a:r>
+            <a:endParaRPr lang="en-US" dirty="0"/>
           </a:p>
         </p:txBody>
       </p:sp>
       <p:pic>
         <p:nvPicPr>
-          <p:cNvPr id="4" name="Picture 3"/>
+          <p:cNvPr id="3" name="Picture 2"/>
           <p:cNvPicPr>
             <a:picLocks noChangeAspect="1"/>
           </p:cNvPicPr>
@@ -8085,18 +7270,267 @@
         </p:blipFill>
         <p:spPr>
           <a:xfrm>
-            <a:off x="2574705" y="322984"/>
-            <a:ext cx="7589204" cy="5280648"/>
+            <a:off x="3552826" y="3353120"/>
+            <a:ext cx="4539959" cy="3282286"/>
           </a:xfrm>
           <a:prstGeom prst="rect">
             <a:avLst/>
           </a:prstGeom>
         </p:spPr>
       </p:pic>
+      <p:sp>
+        <p:nvSpPr>
+          <p:cNvPr id="11" name="TextBox 10">
+            <a:extLst>
+              <a:ext uri="{FF2B5EF4-FFF2-40B4-BE49-F238E27FC236}">
+                <a16:creationId xmlns:a16="http://schemas.microsoft.com/office/drawing/2014/main" id="{BCE35859-21C4-40EF-87A0-8FE2B71AB2E7}"/>
+              </a:ext>
+            </a:extLst>
+          </p:cNvPr>
+          <p:cNvSpPr txBox="1"/>
+          <p:nvPr/>
+        </p:nvSpPr>
+        <p:spPr>
+          <a:xfrm>
+            <a:off x="544222" y="1263824"/>
+            <a:ext cx="11342977" cy="2585323"/>
+          </a:xfrm>
+          <a:prstGeom prst="rect">
+            <a:avLst/>
+          </a:prstGeom>
+          <a:noFill/>
+        </p:spPr>
+        <p:txBody>
+          <a:bodyPr wrap="square" rtlCol="0">
+            <a:spAutoFit/>
+          </a:bodyPr>
+          <a:lstStyle/>
+          <a:p>
+            <a:pPr marL="285750" indent="-285750">
+              <a:buFont typeface="Wingdings" panose="05000000000000000000" pitchFamily="2" charset="2"/>
+              <a:buChar char="Ø"/>
+            </a:pPr>
+            <a:r>
+              <a:rPr lang="en-US" dirty="0"/>
+              <a:t>A healthy lifestyle is important to one’s happiness. Country’s focus on providing healthcare services to its citizens can effect its happiness score as seen by this bar chat below. </a:t>
+            </a:r>
+          </a:p>
+          <a:p>
+            <a:pPr marL="285750" indent="-285750">
+              <a:buFont typeface="Wingdings" panose="05000000000000000000" pitchFamily="2" charset="2"/>
+              <a:buChar char="Ø"/>
+            </a:pPr>
+            <a:endParaRPr lang="en-US" dirty="0"/>
+          </a:p>
+          <a:p>
+            <a:pPr marL="285750" indent="-285750">
+              <a:buFont typeface="Wingdings" panose="05000000000000000000" pitchFamily="2" charset="2"/>
+              <a:buChar char="Ø"/>
+            </a:pPr>
+            <a:r>
+              <a:rPr lang="en-US" dirty="0"/>
+              <a:t>Another factor considered here is </a:t>
+            </a:r>
+            <a:r>
+              <a:rPr lang="en-US" b="1" dirty="0"/>
+              <a:t>Life Expectancy</a:t>
+            </a:r>
+            <a:r>
+              <a:rPr lang="en-US" dirty="0"/>
+              <a:t>. The World Happiness Report also provides the life expectancy age in each country. </a:t>
+            </a:r>
+          </a:p>
+          <a:p>
+            <a:pPr marL="285750" indent="-285750">
+              <a:buFont typeface="Wingdings" panose="05000000000000000000" pitchFamily="2" charset="2"/>
+              <a:buChar char="Ø"/>
+            </a:pPr>
+            <a:endParaRPr lang="en-US" dirty="0"/>
+          </a:p>
+          <a:p>
+            <a:pPr marL="285750" indent="-285750">
+              <a:buFont typeface="Wingdings" panose="05000000000000000000" pitchFamily="2" charset="2"/>
+              <a:buChar char="Ø"/>
+            </a:pPr>
+            <a:r>
+              <a:rPr lang="en-US" dirty="0"/>
+              <a:t>Health Location Types taken in account : 'dentist', 'doctor', 'gym', 'hospital', 'pharmacy', 'physiotherapist'</a:t>
+            </a:r>
+          </a:p>
+          <a:p>
+            <a:pPr marL="285750" indent="-285750">
+              <a:buFont typeface="Wingdings" panose="05000000000000000000" pitchFamily="2" charset="2"/>
+              <a:buChar char="Ø"/>
+            </a:pPr>
+            <a:endParaRPr lang="en-US" dirty="0"/>
+          </a:p>
+        </p:txBody>
+      </p:sp>
+      <p:sp>
+        <p:nvSpPr>
+          <p:cNvPr id="13" name="TextBox 12">
+            <a:extLst>
+              <a:ext uri="{FF2B5EF4-FFF2-40B4-BE49-F238E27FC236}">
+                <a16:creationId xmlns:a16="http://schemas.microsoft.com/office/drawing/2014/main" id="{AA67C872-7CEE-4F04-9724-C7E21DA87B9E}"/>
+              </a:ext>
+            </a:extLst>
+          </p:cNvPr>
+          <p:cNvSpPr txBox="1"/>
+          <p:nvPr/>
+        </p:nvSpPr>
+        <p:spPr>
+          <a:xfrm>
+            <a:off x="8639175" y="3261959"/>
+            <a:ext cx="2853027" cy="3702024"/>
+          </a:xfrm>
+          <a:prstGeom prst="rect">
+            <a:avLst/>
+          </a:prstGeom>
+          <a:noFill/>
+        </p:spPr>
+        <p:txBody>
+          <a:bodyPr wrap="square" rtlCol="0">
+            <a:spAutoFit/>
+          </a:bodyPr>
+          <a:lstStyle/>
+          <a:p>
+            <a:r>
+              <a:rPr lang="en-US" dirty="0">
+                <a:latin typeface="Bodoni MT" panose="02070603080606020203" pitchFamily="18" charset="0"/>
+              </a:rPr>
+              <a:t>Countries &amp; Capital City</a:t>
+            </a:r>
+          </a:p>
+          <a:p>
+            <a:r>
+              <a:rPr lang="en-US" dirty="0">
+                <a:latin typeface="Corbel Light" panose="020B0303020204020204" pitchFamily="34" charset="0"/>
+              </a:rPr>
+              <a:t>Finland – Helsinki</a:t>
+            </a:r>
+          </a:p>
+          <a:p>
+            <a:r>
+              <a:rPr lang="en-US" dirty="0">
+                <a:latin typeface="Corbel Light" panose="020B0303020204020204" pitchFamily="34" charset="0"/>
+              </a:rPr>
+              <a:t>Sweden – Stockholm</a:t>
+            </a:r>
+          </a:p>
+          <a:p>
+            <a:r>
+              <a:rPr lang="en-US" dirty="0">
+                <a:latin typeface="Corbel Light" panose="020B0303020204020204" pitchFamily="34" charset="0"/>
+              </a:rPr>
+              <a:t>USA – Washington D.C</a:t>
+            </a:r>
+          </a:p>
+          <a:p>
+            <a:r>
+              <a:rPr lang="en-US" dirty="0">
+                <a:latin typeface="Corbel Light" panose="020B0303020204020204" pitchFamily="34" charset="0"/>
+              </a:rPr>
+              <a:t>Belgium – Brussels</a:t>
+            </a:r>
+          </a:p>
+          <a:p>
+            <a:r>
+              <a:rPr lang="en-US" dirty="0">
+                <a:latin typeface="Corbel Light" panose="020B0303020204020204" pitchFamily="34" charset="0"/>
+              </a:rPr>
+              <a:t>Uruguay – Montevideo</a:t>
+            </a:r>
+          </a:p>
+          <a:p>
+            <a:r>
+              <a:rPr lang="en-US" dirty="0">
+                <a:latin typeface="Corbel Light" panose="020B0303020204020204" pitchFamily="34" charset="0"/>
+              </a:rPr>
+              <a:t>Romania – </a:t>
+            </a:r>
+            <a:r>
+              <a:rPr lang="en-US" dirty="0" err="1">
+                <a:latin typeface="Corbel Light" panose="020B0303020204020204" pitchFamily="34" charset="0"/>
+              </a:rPr>
+              <a:t>Bacharest</a:t>
+            </a:r>
+            <a:endParaRPr lang="en-US" dirty="0">
+              <a:latin typeface="Corbel Light" panose="020B0303020204020204" pitchFamily="34" charset="0"/>
+            </a:endParaRPr>
+          </a:p>
+          <a:p>
+            <a:r>
+              <a:rPr lang="en-US" dirty="0">
+                <a:latin typeface="Corbel Light" panose="020B0303020204020204" pitchFamily="34" charset="0"/>
+              </a:rPr>
+              <a:t>Pakistan – Islamabad</a:t>
+            </a:r>
+          </a:p>
+          <a:p>
+            <a:r>
+              <a:rPr lang="en-US" dirty="0">
+                <a:latin typeface="Corbel Light" panose="020B0303020204020204" pitchFamily="34" charset="0"/>
+              </a:rPr>
+              <a:t>Ghana – Accra</a:t>
+            </a:r>
+          </a:p>
+          <a:p>
+            <a:r>
+              <a:rPr lang="en-US" dirty="0">
+                <a:latin typeface="Corbel Light" panose="020B0303020204020204" pitchFamily="34" charset="0"/>
+              </a:rPr>
+              <a:t>Iraq - </a:t>
+            </a:r>
+            <a:r>
+              <a:rPr lang="en-US" dirty="0" err="1">
+                <a:latin typeface="Corbel Light" panose="020B0303020204020204" pitchFamily="34" charset="0"/>
+              </a:rPr>
+              <a:t>Bhagdad</a:t>
+            </a:r>
+            <a:r>
+              <a:rPr lang="en-US" dirty="0">
+                <a:latin typeface="Corbel Light" panose="020B0303020204020204" pitchFamily="34" charset="0"/>
+              </a:rPr>
+              <a:t> </a:t>
+            </a:r>
+          </a:p>
+          <a:p>
+            <a:r>
+              <a:rPr lang="en-US" dirty="0">
+                <a:latin typeface="Corbel Light" panose="020B0303020204020204" pitchFamily="34" charset="0"/>
+              </a:rPr>
+              <a:t>Uganda – Kampala</a:t>
+            </a:r>
+          </a:p>
+          <a:p>
+            <a:r>
+              <a:rPr lang="en-US" dirty="0">
+                <a:latin typeface="Corbel Light" panose="020B0303020204020204" pitchFamily="34" charset="0"/>
+              </a:rPr>
+              <a:t>Botswana - </a:t>
+            </a:r>
+            <a:r>
+              <a:rPr lang="en-US" dirty="0" err="1">
+                <a:latin typeface="Corbel Light" panose="020B0303020204020204" pitchFamily="34" charset="0"/>
+              </a:rPr>
+              <a:t>Gambrone</a:t>
+            </a:r>
+            <a:r>
+              <a:rPr lang="en-US" dirty="0">
+                <a:latin typeface="Corbel Light" panose="020B0303020204020204" pitchFamily="34" charset="0"/>
+              </a:rPr>
+              <a:t> </a:t>
+            </a:r>
+          </a:p>
+          <a:p>
+            <a:endParaRPr lang="en-US" dirty="0"/>
+          </a:p>
+        </p:txBody>
+      </p:sp>
     </p:spTree>
     <p:extLst>
       <p:ext uri="{BB962C8B-B14F-4D97-AF65-F5344CB8AC3E}">
-        <p14:creationId xmlns:p14="http://schemas.microsoft.com/office/powerpoint/2010/main" val="338983442"/>
+        <p14:creationId xmlns:p14="http://schemas.microsoft.com/office/powerpoint/2010/main" val="2567165879"/>
       </p:ext>
     </p:extLst>
   </p:cSld>
@@ -8125,7 +7559,13 @@
       </p:grpSpPr>
       <p:sp>
         <p:nvSpPr>
-          <p:cNvPr id="2" name="Title 1"/>
+          <p:cNvPr id="2" name="Title 1">
+            <a:extLst>
+              <a:ext uri="{FF2B5EF4-FFF2-40B4-BE49-F238E27FC236}">
+                <a16:creationId xmlns:a16="http://schemas.microsoft.com/office/drawing/2014/main" id="{0EED52AB-6663-4EB3-82AB-541DF29F158F}"/>
+              </a:ext>
+            </a:extLst>
+          </p:cNvPr>
           <p:cNvSpPr>
             <a:spLocks noGrp="1"/>
           </p:cNvSpPr>
@@ -8135,7 +7575,7 @@
         </p:nvSpPr>
         <p:spPr>
           <a:xfrm>
-            <a:off x="670778" y="5001424"/>
+            <a:off x="328078" y="175214"/>
             <a:ext cx="8534400" cy="1507067"/>
           </a:xfrm>
         </p:spPr>
@@ -8145,14 +7585,20 @@
           <a:p>
             <a:r>
               <a:rPr lang="en-US" dirty="0"/>
-              <a:t>Code Cont.</a:t>
+              <a:t>Health Expenditure (% of the GDP)</a:t>
             </a:r>
           </a:p>
         </p:txBody>
       </p:sp>
       <p:pic>
         <p:nvPicPr>
-          <p:cNvPr id="5" name="Picture 4"/>
+          <p:cNvPr id="5" name="Picture 4" descr="Chart, histogram&#10;&#10;Description automatically generated">
+            <a:extLst>
+              <a:ext uri="{FF2B5EF4-FFF2-40B4-BE49-F238E27FC236}">
+                <a16:creationId xmlns:a16="http://schemas.microsoft.com/office/drawing/2014/main" id="{E40D00F6-9DAB-4C44-9DFE-90726BB74D7D}"/>
+              </a:ext>
+            </a:extLst>
+          </p:cNvPr>
           <p:cNvPicPr>
             <a:picLocks noChangeAspect="1"/>
           </p:cNvPicPr>
@@ -8166,42 +7612,74 @@
         </p:blipFill>
         <p:spPr>
           <a:xfrm>
-            <a:off x="1099403" y="208232"/>
-            <a:ext cx="7991475" cy="2171700"/>
+            <a:off x="3484345" y="2836443"/>
+            <a:ext cx="5378133" cy="3932970"/>
           </a:xfrm>
           <a:prstGeom prst="rect">
             <a:avLst/>
           </a:prstGeom>
         </p:spPr>
       </p:pic>
-      <p:pic>
-        <p:nvPicPr>
-          <p:cNvPr id="6" name="Picture 5"/>
-          <p:cNvPicPr>
-            <a:picLocks noChangeAspect="1"/>
-          </p:cNvPicPr>
+      <p:sp>
+        <p:nvSpPr>
+          <p:cNvPr id="6" name="TextBox 5">
+            <a:extLst>
+              <a:ext uri="{FF2B5EF4-FFF2-40B4-BE49-F238E27FC236}">
+                <a16:creationId xmlns:a16="http://schemas.microsoft.com/office/drawing/2014/main" id="{A08D6931-27B0-4057-AB2A-4479093F9659}"/>
+              </a:ext>
+            </a:extLst>
+          </p:cNvPr>
+          <p:cNvSpPr txBox="1"/>
           <p:nvPr/>
-        </p:nvPicPr>
-        <p:blipFill>
-          <a:blip r:embed="rId3"/>
-          <a:stretch>
-            <a:fillRect/>
-          </a:stretch>
-        </p:blipFill>
+        </p:nvSpPr>
         <p:spPr>
           <a:xfrm>
-            <a:off x="1099403" y="2801149"/>
-            <a:ext cx="8105775" cy="2200275"/>
+            <a:off x="222200" y="1359115"/>
+            <a:ext cx="12215203" cy="1477328"/>
           </a:xfrm>
           <a:prstGeom prst="rect">
             <a:avLst/>
           </a:prstGeom>
+          <a:noFill/>
         </p:spPr>
-      </p:pic>
+        <p:txBody>
+          <a:bodyPr wrap="none" rtlCol="0">
+            <a:spAutoFit/>
+          </a:bodyPr>
+          <a:lstStyle/>
+          <a:p>
+            <a:r>
+              <a:rPr lang="en-US" dirty="0"/>
+              <a:t>Using World Health Organization Global Health Expenditure database, we wanted to see how much each </a:t>
+            </a:r>
+          </a:p>
+          <a:p>
+            <a:r>
+              <a:rPr lang="en-US" dirty="0"/>
+              <a:t>country spends on their healthcare services. </a:t>
+            </a:r>
+          </a:p>
+          <a:p>
+            <a:endParaRPr lang="en-US" dirty="0"/>
+          </a:p>
+          <a:p>
+            <a:r>
+              <a:rPr lang="en-US" dirty="0"/>
+              <a:t>This graphs shows that spending on heath doesn’t always means a happier country. But keep in mind these </a:t>
+            </a:r>
+          </a:p>
+          <a:p>
+            <a:r>
+              <a:rPr lang="en-US" dirty="0"/>
+              <a:t>Countries have a varied population size. </a:t>
+            </a:r>
+          </a:p>
+        </p:txBody>
+      </p:sp>
     </p:spTree>
     <p:extLst>
       <p:ext uri="{BB962C8B-B14F-4D97-AF65-F5344CB8AC3E}">
-        <p14:creationId xmlns:p14="http://schemas.microsoft.com/office/powerpoint/2010/main" val="2937667280"/>
+        <p14:creationId xmlns:p14="http://schemas.microsoft.com/office/powerpoint/2010/main" val="131343261"/>
       </p:ext>
     </p:extLst>
   </p:cSld>
@@ -8240,7 +7718,7 @@
         </p:nvSpPr>
         <p:spPr>
           <a:xfrm>
-            <a:off x="649043" y="4674902"/>
+            <a:off x="531812" y="110067"/>
             <a:ext cx="8534400" cy="1507067"/>
           </a:xfrm>
         </p:spPr>
@@ -8250,14 +7728,207 @@
           <a:p>
             <a:r>
               <a:rPr lang="en-US" dirty="0"/>
-              <a:t>Code Cont.</a:t>
+              <a:t>FACTOR 2 : education</a:t>
+            </a:r>
+          </a:p>
+        </p:txBody>
+      </p:sp>
+      <p:sp>
+        <p:nvSpPr>
+          <p:cNvPr id="5" name="TextBox 4"/>
+          <p:cNvSpPr txBox="1"/>
+          <p:nvPr/>
+        </p:nvSpPr>
+        <p:spPr>
+          <a:xfrm>
+            <a:off x="133350" y="1454364"/>
+            <a:ext cx="11830050" cy="1477328"/>
+          </a:xfrm>
+          <a:prstGeom prst="rect">
+            <a:avLst/>
+          </a:prstGeom>
+          <a:noFill/>
+        </p:spPr>
+        <p:txBody>
+          <a:bodyPr wrap="square" rtlCol="0">
+            <a:spAutoFit/>
+          </a:bodyPr>
+          <a:lstStyle/>
+          <a:p>
+            <a:pPr marL="285750" marR="0" lvl="0" indent="-285750" algn="l" defTabSz="457200" rtl="0" eaLnBrk="1" fontAlgn="auto" latinLnBrk="0" hangingPunct="1">
+              <a:lnSpc>
+                <a:spcPct val="100000"/>
+              </a:lnSpc>
+              <a:spcBef>
+                <a:spcPts val="0"/>
+              </a:spcBef>
+              <a:spcAft>
+                <a:spcPts val="0"/>
+              </a:spcAft>
+              <a:buClrTx/>
+              <a:buSzTx/>
+              <a:buFont typeface="Wingdings" panose="05000000000000000000" pitchFamily="2" charset="2"/>
+              <a:buChar char="Ø"/>
+              <a:tabLst/>
+              <a:defRPr/>
+            </a:pPr>
+            <a:r>
+              <a:rPr kumimoji="0" lang="en-US" sz="1800" b="0" i="0" u="none" strike="noStrike" kern="1200" cap="none" spc="0" normalizeH="0" baseline="0" noProof="0" dirty="0">
+                <a:ln>
+                  <a:noFill/>
+                </a:ln>
+                <a:solidFill>
+                  <a:prstClr val="white"/>
+                </a:solidFill>
+                <a:effectLst/>
+                <a:uLnTx/>
+                <a:uFillTx/>
+                <a:latin typeface="Century Gothic" panose="020B0502020202020204"/>
+                <a:ea typeface="+mn-ea"/>
+                <a:cs typeface="+mn-cs"/>
+              </a:rPr>
+              <a:t>Education plays a key role in country’s financial success but does it help with happiness? </a:t>
+            </a:r>
+          </a:p>
+          <a:p>
+            <a:pPr marL="285750" marR="0" lvl="0" indent="-285750" algn="l" defTabSz="457200" rtl="0" eaLnBrk="1" fontAlgn="auto" latinLnBrk="0" hangingPunct="1">
+              <a:lnSpc>
+                <a:spcPct val="100000"/>
+              </a:lnSpc>
+              <a:spcBef>
+                <a:spcPts val="0"/>
+              </a:spcBef>
+              <a:spcAft>
+                <a:spcPts val="0"/>
+              </a:spcAft>
+              <a:buClrTx/>
+              <a:buSzTx/>
+              <a:buFont typeface="Wingdings" panose="05000000000000000000" pitchFamily="2" charset="2"/>
+              <a:buChar char="Ø"/>
+              <a:tabLst/>
+              <a:defRPr/>
+            </a:pPr>
+            <a:endParaRPr lang="en-US" dirty="0">
+              <a:solidFill>
+                <a:prstClr val="white"/>
+              </a:solidFill>
+              <a:latin typeface="Century Gothic" panose="020B0502020202020204"/>
+            </a:endParaRPr>
+          </a:p>
+          <a:p>
+            <a:pPr marL="285750" marR="0" lvl="0" indent="-285750" algn="l" defTabSz="457200" rtl="0" eaLnBrk="1" fontAlgn="auto" latinLnBrk="0" hangingPunct="1">
+              <a:lnSpc>
+                <a:spcPct val="100000"/>
+              </a:lnSpc>
+              <a:spcBef>
+                <a:spcPts val="0"/>
+              </a:spcBef>
+              <a:spcAft>
+                <a:spcPts val="0"/>
+              </a:spcAft>
+              <a:buClrTx/>
+              <a:buSzTx/>
+              <a:buFont typeface="Wingdings" panose="05000000000000000000" pitchFamily="2" charset="2"/>
+              <a:buChar char="Ø"/>
+              <a:tabLst/>
+              <a:defRPr/>
+            </a:pPr>
+            <a:r>
+              <a:rPr kumimoji="0" lang="en-US" sz="1800" b="0" i="0" u="none" strike="noStrike" kern="1200" cap="none" spc="0" normalizeH="0" baseline="0" noProof="0" dirty="0">
+                <a:ln>
+                  <a:noFill/>
+                </a:ln>
+                <a:solidFill>
+                  <a:prstClr val="white"/>
+                </a:solidFill>
+                <a:effectLst/>
+                <a:uLnTx/>
+                <a:uFillTx/>
+                <a:latin typeface="Century Gothic" panose="020B0502020202020204"/>
+                <a:ea typeface="+mn-ea"/>
+                <a:cs typeface="+mn-cs"/>
+              </a:rPr>
+              <a:t>The graph proves that countries with multiple education intuitions keeps citizens its happy.</a:t>
+            </a:r>
+          </a:p>
+          <a:p>
+            <a:pPr marR="0" lvl="0" algn="l" defTabSz="457200" rtl="0" eaLnBrk="1" fontAlgn="auto" latinLnBrk="0" hangingPunct="1">
+              <a:lnSpc>
+                <a:spcPct val="100000"/>
+              </a:lnSpc>
+              <a:spcBef>
+                <a:spcPts val="0"/>
+              </a:spcBef>
+              <a:spcAft>
+                <a:spcPts val="0"/>
+              </a:spcAft>
+              <a:buClrTx/>
+              <a:buSzTx/>
+              <a:tabLst/>
+              <a:defRPr/>
+            </a:pPr>
+            <a:endParaRPr kumimoji="0" lang="en-US" sz="1800" b="0" i="0" u="none" strike="noStrike" kern="1200" cap="none" spc="0" normalizeH="0" baseline="0" noProof="0" dirty="0">
+              <a:ln>
+                <a:noFill/>
+              </a:ln>
+              <a:solidFill>
+                <a:prstClr val="white"/>
+              </a:solidFill>
+              <a:effectLst/>
+              <a:uLnTx/>
+              <a:uFillTx/>
+              <a:latin typeface="Century Gothic" panose="020B0502020202020204"/>
+              <a:ea typeface="+mn-ea"/>
+              <a:cs typeface="+mn-cs"/>
+            </a:endParaRPr>
+          </a:p>
+          <a:p>
+            <a:pPr marL="285750" marR="0" lvl="0" indent="-285750" algn="l" defTabSz="457200" rtl="0" eaLnBrk="1" fontAlgn="auto" latinLnBrk="0" hangingPunct="1">
+              <a:lnSpc>
+                <a:spcPct val="100000"/>
+              </a:lnSpc>
+              <a:spcBef>
+                <a:spcPts val="0"/>
+              </a:spcBef>
+              <a:spcAft>
+                <a:spcPts val="0"/>
+              </a:spcAft>
+              <a:buClrTx/>
+              <a:buSzTx/>
+              <a:buFont typeface="Wingdings" panose="05000000000000000000" pitchFamily="2" charset="2"/>
+              <a:buChar char="Ø"/>
+              <a:tabLst/>
+              <a:defRPr/>
+            </a:pPr>
+            <a:r>
+              <a:rPr kumimoji="0" lang="en-US" sz="1800" b="0" i="0" u="none" strike="noStrike" kern="1200" cap="none" spc="0" normalizeH="0" baseline="0" noProof="0" dirty="0">
+                <a:ln>
+                  <a:noFill/>
+                </a:ln>
+                <a:solidFill>
+                  <a:prstClr val="white"/>
+                </a:solidFill>
+                <a:effectLst/>
+                <a:uLnTx/>
+                <a:uFillTx/>
+                <a:latin typeface="Century Gothic" panose="020B0502020202020204"/>
+                <a:ea typeface="+mn-ea"/>
+                <a:cs typeface="+mn-cs"/>
+              </a:rPr>
+              <a:t>Education Location Types: ‘library', ‘museum', ‘primary school', ‘school', ‘secondary school', ‘university'</a:t>
             </a:r>
           </a:p>
         </p:txBody>
       </p:sp>
       <p:pic>
         <p:nvPicPr>
-          <p:cNvPr id="4" name="Picture 3"/>
+          <p:cNvPr id="4" name="Picture 3">
+            <a:extLst>
+              <a:ext uri="{FF2B5EF4-FFF2-40B4-BE49-F238E27FC236}">
+                <a16:creationId xmlns:a16="http://schemas.microsoft.com/office/drawing/2014/main" id="{226C36FB-B571-487F-91C6-3B4AF964A337}"/>
+              </a:ext>
+            </a:extLst>
+          </p:cNvPr>
           <p:cNvPicPr>
             <a:picLocks noChangeAspect="1"/>
           </p:cNvPicPr>
@@ -8271,8 +7942,8 @@
         </p:blipFill>
         <p:spPr>
           <a:xfrm>
-            <a:off x="2462211" y="147592"/>
-            <a:ext cx="7865819" cy="4786311"/>
+            <a:off x="3524677" y="2961431"/>
+            <a:ext cx="4695397" cy="3706069"/>
           </a:xfrm>
           <a:prstGeom prst="rect">
             <a:avLst/>
@@ -8282,7 +7953,7 @@
     </p:spTree>
     <p:extLst>
       <p:ext uri="{BB962C8B-B14F-4D97-AF65-F5344CB8AC3E}">
-        <p14:creationId xmlns:p14="http://schemas.microsoft.com/office/powerpoint/2010/main" val="1088551649"/>
+        <p14:creationId xmlns:p14="http://schemas.microsoft.com/office/powerpoint/2010/main" val="2265989139"/>
       </p:ext>
     </p:extLst>
   </p:cSld>
@@ -8321,8 +7992,8 @@
         </p:nvSpPr>
         <p:spPr>
           <a:xfrm>
-            <a:off x="646112" y="4792132"/>
-            <a:ext cx="8534400" cy="1507067"/>
+            <a:off x="202950" y="55733"/>
+            <a:ext cx="8248032" cy="1364799"/>
           </a:xfrm>
         </p:spPr>
         <p:txBody>
@@ -8331,14 +8002,121 @@
           <a:p>
             <a:r>
               <a:rPr lang="en-US" dirty="0"/>
-              <a:t>Code Cont.</a:t>
+              <a:t>FACTOR 3 : Entertainment</a:t>
+            </a:r>
+          </a:p>
+        </p:txBody>
+      </p:sp>
+      <p:sp>
+        <p:nvSpPr>
+          <p:cNvPr id="5" name="TextBox 4"/>
+          <p:cNvSpPr txBox="1"/>
+          <p:nvPr/>
+        </p:nvSpPr>
+        <p:spPr>
+          <a:xfrm>
+            <a:off x="202950" y="1208776"/>
+            <a:ext cx="11867255" cy="1754326"/>
+          </a:xfrm>
+          <a:prstGeom prst="rect">
+            <a:avLst/>
+          </a:prstGeom>
+          <a:noFill/>
+        </p:spPr>
+        <p:txBody>
+          <a:bodyPr wrap="square" rtlCol="0">
+            <a:spAutoFit/>
+          </a:bodyPr>
+          <a:lstStyle/>
+          <a:p>
+            <a:pPr marL="285750" indent="-285750">
+              <a:buFont typeface="Wingdings" panose="05000000000000000000" pitchFamily="2" charset="2"/>
+              <a:buChar char="Ø"/>
+            </a:pPr>
+            <a:r>
+              <a:rPr lang="en-US" dirty="0"/>
+              <a:t>Having means of entertainment in the city can help people take a break from a  busy/stressful life. </a:t>
+            </a:r>
+          </a:p>
+          <a:p>
+            <a:pPr marL="285750" indent="-285750">
+              <a:buFont typeface="Wingdings" panose="05000000000000000000" pitchFamily="2" charset="2"/>
+              <a:buChar char="Ø"/>
+            </a:pPr>
+            <a:endParaRPr lang="en-US" dirty="0"/>
+          </a:p>
+          <a:p>
+            <a:pPr marL="285750" indent="-285750">
+              <a:buFont typeface="Wingdings" panose="05000000000000000000" pitchFamily="2" charset="2"/>
+              <a:buChar char="Ø"/>
+            </a:pPr>
+            <a:r>
+              <a:rPr lang="en-US" dirty="0"/>
+              <a:t>The graph shows entertainment is directly proportional to the happiness index </a:t>
+            </a:r>
+          </a:p>
+          <a:p>
+            <a:pPr marL="285750" indent="-285750">
+              <a:buFont typeface="Wingdings" panose="05000000000000000000" pitchFamily="2" charset="2"/>
+              <a:buChar char="Ø"/>
+            </a:pPr>
+            <a:endParaRPr lang="en-US" dirty="0"/>
+          </a:p>
+          <a:p>
+            <a:pPr marL="285750" indent="-285750">
+              <a:buFont typeface="Wingdings" panose="05000000000000000000" pitchFamily="2" charset="2"/>
+              <a:buChar char="Ø"/>
+            </a:pPr>
+            <a:r>
+              <a:rPr lang="en-US" dirty="0"/>
+              <a:t>Entertainment Location Types: '</a:t>
+            </a:r>
+            <a:r>
+              <a:rPr lang="en-US" dirty="0" err="1"/>
+              <a:t>amusement_park</a:t>
+            </a:r>
+            <a:r>
+              <a:rPr lang="en-US" dirty="0"/>
+              <a:t>', 'aquarium', '</a:t>
+            </a:r>
+            <a:r>
+              <a:rPr lang="en-US" dirty="0" err="1"/>
+              <a:t>art_gallery</a:t>
+            </a:r>
+            <a:r>
+              <a:rPr lang="en-US" dirty="0"/>
+              <a:t>‘, '</a:t>
+            </a:r>
+            <a:r>
+              <a:rPr lang="en-US" dirty="0" err="1"/>
+              <a:t>movie_theater</a:t>
+            </a:r>
+            <a:r>
+              <a:rPr lang="en-US" dirty="0"/>
+              <a:t>', '</a:t>
+            </a:r>
+            <a:r>
+              <a:rPr lang="en-US" dirty="0" err="1"/>
+              <a:t>night_club</a:t>
+            </a:r>
+            <a:r>
+              <a:rPr lang="en-US" dirty="0"/>
+              <a:t>', 'stadium', '</a:t>
+            </a:r>
+            <a:r>
+              <a:rPr lang="en-US" dirty="0" err="1"/>
+              <a:t>tourist_attraction</a:t>
+            </a:r>
+            <a:r>
+              <a:rPr lang="en-US" dirty="0"/>
+              <a:t>', 'zoo'</a:t>
             </a:r>
           </a:p>
         </p:txBody>
       </p:sp>
       <p:pic>
         <p:nvPicPr>
-          <p:cNvPr id="3" name="Picture 2"/>
+          <p:cNvPr id="7" name="Picture 6"/>
           <p:cNvPicPr>
             <a:picLocks noChangeAspect="1"/>
           </p:cNvPicPr>
@@ -8352,8 +8130,8 @@
         </p:blipFill>
         <p:spPr>
           <a:xfrm>
-            <a:off x="3789851" y="359752"/>
-            <a:ext cx="7191375" cy="5810250"/>
+            <a:off x="3516857" y="3167477"/>
+            <a:ext cx="4289231" cy="3535853"/>
           </a:xfrm>
           <a:prstGeom prst="rect">
             <a:avLst/>
@@ -8363,7 +8141,7 @@
     </p:spTree>
     <p:extLst>
       <p:ext uri="{BB962C8B-B14F-4D97-AF65-F5344CB8AC3E}">
-        <p14:creationId xmlns:p14="http://schemas.microsoft.com/office/powerpoint/2010/main" val="23726931"/>
+        <p14:creationId xmlns:p14="http://schemas.microsoft.com/office/powerpoint/2010/main" val="2835790720"/>
       </p:ext>
     </p:extLst>
   </p:cSld>
@@ -8402,8 +8180,8 @@
         </p:nvSpPr>
         <p:spPr>
           <a:xfrm>
-            <a:off x="544223" y="0"/>
-            <a:ext cx="7418677" cy="1533478"/>
+            <a:off x="303925" y="0"/>
+            <a:ext cx="8534400" cy="1507067"/>
           </a:xfrm>
         </p:spPr>
         <p:txBody>
@@ -8412,32 +8190,21 @@
           <a:p>
             <a:r>
               <a:rPr lang="en-US" dirty="0"/>
-              <a:t>Factor 1 : </a:t>
-            </a:r>
-            <a:r>
-              <a:rPr lang="en-US" dirty="0" err="1"/>
-              <a:t>HealthCARE</a:t>
-            </a:r>
-            <a:endParaRPr lang="en-US" dirty="0"/>
-          </a:p>
-        </p:txBody>
-      </p:sp>
-      <p:sp>
-        <p:nvSpPr>
-          <p:cNvPr id="11" name="TextBox 10">
-            <a:extLst>
-              <a:ext uri="{FF2B5EF4-FFF2-40B4-BE49-F238E27FC236}">
-                <a16:creationId xmlns:a16="http://schemas.microsoft.com/office/drawing/2014/main" xmlns="" id="{BCE35859-21C4-40EF-87A0-8FE2B71AB2E7}"/>
-              </a:ext>
-            </a:extLst>
-          </p:cNvPr>
+              <a:t>FACTOR 4 : transportation </a:t>
+            </a:r>
+          </a:p>
+        </p:txBody>
+      </p:sp>
+      <p:sp>
+        <p:nvSpPr>
+          <p:cNvPr id="5" name="TextBox 4"/>
           <p:cNvSpPr txBox="1"/>
           <p:nvPr/>
         </p:nvSpPr>
         <p:spPr>
           <a:xfrm>
-            <a:off x="544222" y="1263824"/>
-            <a:ext cx="11342977" cy="2585323"/>
+            <a:off x="355478" y="1179808"/>
+            <a:ext cx="11481043" cy="1754326"/>
           </a:xfrm>
           <a:prstGeom prst="rect">
             <a:avLst/>
@@ -8450,230 +8217,335 @@
           </a:bodyPr>
           <a:lstStyle/>
           <a:p>
-            <a:pPr marL="285750" indent="-285750">
+            <a:pPr marL="285750" marR="0" lvl="0" indent="-285750" algn="l" defTabSz="457200" rtl="0" eaLnBrk="1" fontAlgn="auto" latinLnBrk="0" hangingPunct="1">
+              <a:lnSpc>
+                <a:spcPct val="100000"/>
+              </a:lnSpc>
+              <a:spcBef>
+                <a:spcPts val="0"/>
+              </a:spcBef>
+              <a:spcAft>
+                <a:spcPts val="0"/>
+              </a:spcAft>
+              <a:buClrTx/>
+              <a:buSzTx/>
               <a:buFont typeface="Wingdings" panose="05000000000000000000" pitchFamily="2" charset="2"/>
               <a:buChar char="Ø"/>
+              <a:tabLst/>
+              <a:defRPr/>
             </a:pPr>
             <a:r>
-              <a:rPr lang="en-US" dirty="0"/>
-              <a:t>A healthy lifestyle is important to one’s happiness. Country’s focus on providing healthcare services to its citizens can effect its happiness score as seen by this bar chat below. </a:t>
-            </a:r>
-          </a:p>
-          <a:p>
-            <a:pPr marL="285750" indent="-285750">
+              <a:rPr lang="en-US" dirty="0">
+                <a:solidFill>
+                  <a:prstClr val="white"/>
+                </a:solidFill>
+                <a:latin typeface="Century Gothic" panose="020B0502020202020204"/>
+              </a:rPr>
+              <a:t>Easy  and fast transportation helps citizens live stress-free life. The graph depicts the same. </a:t>
+            </a:r>
+          </a:p>
+          <a:p>
+            <a:pPr marR="0" lvl="0" algn="l" defTabSz="457200" rtl="0" eaLnBrk="1" fontAlgn="auto" latinLnBrk="0" hangingPunct="1">
+              <a:lnSpc>
+                <a:spcPct val="100000"/>
+              </a:lnSpc>
+              <a:spcBef>
+                <a:spcPts val="0"/>
+              </a:spcBef>
+              <a:spcAft>
+                <a:spcPts val="0"/>
+              </a:spcAft>
+              <a:buClrTx/>
+              <a:buSzTx/>
+              <a:tabLst/>
+              <a:defRPr/>
+            </a:pPr>
+            <a:endParaRPr lang="en-US" dirty="0">
+              <a:solidFill>
+                <a:prstClr val="white"/>
+              </a:solidFill>
+              <a:latin typeface="Century Gothic" panose="020B0502020202020204"/>
+            </a:endParaRPr>
+          </a:p>
+          <a:p>
+            <a:pPr marL="285750" marR="0" lvl="0" indent="-285750" algn="l" defTabSz="457200" rtl="0" eaLnBrk="1" fontAlgn="auto" latinLnBrk="0" hangingPunct="1">
+              <a:lnSpc>
+                <a:spcPct val="100000"/>
+              </a:lnSpc>
+              <a:spcBef>
+                <a:spcPts val="0"/>
+              </a:spcBef>
+              <a:spcAft>
+                <a:spcPts val="0"/>
+              </a:spcAft>
+              <a:buClrTx/>
+              <a:buSzTx/>
               <a:buFont typeface="Wingdings" panose="05000000000000000000" pitchFamily="2" charset="2"/>
               <a:buChar char="Ø"/>
+              <a:tabLst/>
+              <a:defRPr/>
             </a:pPr>
-            <a:endParaRPr lang="en-US" dirty="0"/>
-          </a:p>
-          <a:p>
-            <a:pPr marL="285750" indent="-285750">
+            <a:r>
+              <a:rPr lang="en-US" dirty="0">
+                <a:solidFill>
+                  <a:prstClr val="white"/>
+                </a:solidFill>
+                <a:latin typeface="Century Gothic" panose="020B0502020202020204"/>
+              </a:rPr>
+              <a:t>Having multiple transport mediums helps people travel with ease, hence contributing to less stress.   </a:t>
+            </a:r>
+          </a:p>
+          <a:p>
+            <a:pPr marL="285750" marR="0" lvl="0" indent="-285750" algn="l" defTabSz="457200" rtl="0" eaLnBrk="1" fontAlgn="auto" latinLnBrk="0" hangingPunct="1">
+              <a:lnSpc>
+                <a:spcPct val="100000"/>
+              </a:lnSpc>
+              <a:spcBef>
+                <a:spcPts val="0"/>
+              </a:spcBef>
+              <a:spcAft>
+                <a:spcPts val="0"/>
+              </a:spcAft>
+              <a:buClrTx/>
+              <a:buSzTx/>
               <a:buFont typeface="Wingdings" panose="05000000000000000000" pitchFamily="2" charset="2"/>
               <a:buChar char="Ø"/>
+              <a:tabLst/>
+              <a:defRPr/>
             </a:pPr>
-            <a:r>
-              <a:rPr lang="en-US" dirty="0"/>
-              <a:t>Another factor considered here is </a:t>
-            </a:r>
-            <a:r>
-              <a:rPr lang="en-US" b="1" dirty="0"/>
-              <a:t>Life Expectancy</a:t>
-            </a:r>
-            <a:r>
-              <a:rPr lang="en-US" dirty="0"/>
-              <a:t>. The World Happiness Report also provides the life expectancy age in each country. </a:t>
-            </a:r>
-          </a:p>
-          <a:p>
-            <a:pPr marL="285750" indent="-285750">
+            <a:endParaRPr lang="en-US" dirty="0">
+              <a:solidFill>
+                <a:prstClr val="white"/>
+              </a:solidFill>
+              <a:latin typeface="Century Gothic" panose="020B0502020202020204"/>
+            </a:endParaRPr>
+          </a:p>
+          <a:p>
+            <a:pPr marL="285750" marR="0" lvl="0" indent="-285750" algn="l" defTabSz="457200" rtl="0" eaLnBrk="1" fontAlgn="auto" latinLnBrk="0" hangingPunct="1">
+              <a:lnSpc>
+                <a:spcPct val="100000"/>
+              </a:lnSpc>
+              <a:spcBef>
+                <a:spcPts val="0"/>
+              </a:spcBef>
+              <a:spcAft>
+                <a:spcPts val="0"/>
+              </a:spcAft>
+              <a:buClrTx/>
+              <a:buSzTx/>
               <a:buFont typeface="Wingdings" panose="05000000000000000000" pitchFamily="2" charset="2"/>
               <a:buChar char="Ø"/>
+              <a:tabLst/>
+              <a:defRPr/>
             </a:pPr>
-            <a:endParaRPr lang="en-US" dirty="0"/>
-          </a:p>
-          <a:p>
-            <a:pPr marL="285750" indent="-285750">
-              <a:buFont typeface="Wingdings" panose="05000000000000000000" pitchFamily="2" charset="2"/>
-              <a:buChar char="Ø"/>
-            </a:pPr>
-            <a:r>
-              <a:rPr lang="en-US" dirty="0"/>
-              <a:t>Health Location Types taken in account : 'dentist', 'doctor', 'gym', 'hospital', 'pharmacy', 'physiotherapist'</a:t>
-            </a:r>
-          </a:p>
-          <a:p>
-            <a:pPr marL="285750" indent="-285750">
-              <a:buFont typeface="Wingdings" panose="05000000000000000000" pitchFamily="2" charset="2"/>
-              <a:buChar char="Ø"/>
-            </a:pPr>
-            <a:endParaRPr lang="en-US" dirty="0"/>
-          </a:p>
-        </p:txBody>
-      </p:sp>
-      <p:sp>
-        <p:nvSpPr>
-          <p:cNvPr id="13" name="TextBox 12">
+            <a:r>
+              <a:rPr lang="en-US" dirty="0">
+                <a:solidFill>
+                  <a:prstClr val="white"/>
+                </a:solidFill>
+                <a:latin typeface="Century Gothic" panose="020B0502020202020204"/>
+              </a:rPr>
+              <a:t> </a:t>
+            </a:r>
+            <a:r>
+              <a:rPr kumimoji="0" lang="en-US" sz="1800" b="0" i="0" u="none" strike="noStrike" kern="1200" cap="none" spc="0" normalizeH="0" baseline="0" noProof="0" dirty="0">
+                <a:ln>
+                  <a:noFill/>
+                </a:ln>
+                <a:solidFill>
+                  <a:prstClr val="white"/>
+                </a:solidFill>
+                <a:effectLst/>
+                <a:uLnTx/>
+                <a:uFillTx/>
+                <a:latin typeface="Century Gothic" panose="020B0502020202020204"/>
+                <a:ea typeface="+mn-ea"/>
+                <a:cs typeface="+mn-cs"/>
+              </a:rPr>
+              <a:t>Transportation Location Types: ‘airport', ‘</a:t>
+            </a:r>
+            <a:r>
+              <a:rPr kumimoji="0" lang="en-US" sz="1800" b="0" i="0" u="none" strike="noStrike" kern="1200" cap="none" spc="0" normalizeH="0" baseline="0" noProof="0" dirty="0" err="1">
+                <a:ln>
+                  <a:noFill/>
+                </a:ln>
+                <a:solidFill>
+                  <a:prstClr val="white"/>
+                </a:solidFill>
+                <a:effectLst/>
+                <a:uLnTx/>
+                <a:uFillTx/>
+                <a:latin typeface="Century Gothic" panose="020B0502020202020204"/>
+                <a:ea typeface="+mn-ea"/>
+                <a:cs typeface="+mn-cs"/>
+              </a:rPr>
+              <a:t>bus_station</a:t>
+            </a:r>
+            <a:r>
+              <a:rPr kumimoji="0" lang="en-US" sz="1800" b="0" i="0" u="none" strike="noStrike" kern="1200" cap="none" spc="0" normalizeH="0" baseline="0" noProof="0" dirty="0">
+                <a:ln>
+                  <a:noFill/>
+                </a:ln>
+                <a:solidFill>
+                  <a:prstClr val="white"/>
+                </a:solidFill>
+                <a:effectLst/>
+                <a:uLnTx/>
+                <a:uFillTx/>
+                <a:latin typeface="Century Gothic" panose="020B0502020202020204"/>
+                <a:ea typeface="+mn-ea"/>
+                <a:cs typeface="+mn-cs"/>
+              </a:rPr>
+              <a:t>', ‘</a:t>
+            </a:r>
+            <a:r>
+              <a:rPr kumimoji="0" lang="en-US" sz="1800" b="0" i="0" u="none" strike="noStrike" kern="1200" cap="none" spc="0" normalizeH="0" baseline="0" noProof="0" dirty="0" err="1">
+                <a:ln>
+                  <a:noFill/>
+                </a:ln>
+                <a:solidFill>
+                  <a:prstClr val="white"/>
+                </a:solidFill>
+                <a:effectLst/>
+                <a:uLnTx/>
+                <a:uFillTx/>
+                <a:latin typeface="Century Gothic" panose="020B0502020202020204"/>
+                <a:ea typeface="+mn-ea"/>
+                <a:cs typeface="+mn-cs"/>
+              </a:rPr>
+              <a:t>light_rail_station</a:t>
+            </a:r>
+            <a:r>
+              <a:rPr kumimoji="0" lang="en-US" sz="1800" b="0" i="0" u="none" strike="noStrike" kern="1200" cap="none" spc="0" normalizeH="0" baseline="0" noProof="0" dirty="0">
+                <a:ln>
+                  <a:noFill/>
+                </a:ln>
+                <a:solidFill>
+                  <a:prstClr val="white"/>
+                </a:solidFill>
+                <a:effectLst/>
+                <a:uLnTx/>
+                <a:uFillTx/>
+                <a:latin typeface="Century Gothic" panose="020B0502020202020204"/>
+                <a:ea typeface="+mn-ea"/>
+                <a:cs typeface="+mn-cs"/>
+              </a:rPr>
+              <a:t>', ‘</a:t>
+            </a:r>
+            <a:r>
+              <a:rPr kumimoji="0" lang="en-US" sz="1800" b="0" i="0" u="none" strike="noStrike" kern="1200" cap="none" spc="0" normalizeH="0" baseline="0" noProof="0" dirty="0" err="1">
+                <a:ln>
+                  <a:noFill/>
+                </a:ln>
+                <a:solidFill>
+                  <a:prstClr val="white"/>
+                </a:solidFill>
+                <a:effectLst/>
+                <a:uLnTx/>
+                <a:uFillTx/>
+                <a:latin typeface="Century Gothic" panose="020B0502020202020204"/>
+                <a:ea typeface="+mn-ea"/>
+                <a:cs typeface="+mn-cs"/>
+              </a:rPr>
+              <a:t>subway_station</a:t>
+            </a:r>
+            <a:r>
+              <a:rPr kumimoji="0" lang="en-US" sz="1800" b="0" i="0" u="none" strike="noStrike" kern="1200" cap="none" spc="0" normalizeH="0" baseline="0" noProof="0" dirty="0">
+                <a:ln>
+                  <a:noFill/>
+                </a:ln>
+                <a:solidFill>
+                  <a:prstClr val="white"/>
+                </a:solidFill>
+                <a:effectLst/>
+                <a:uLnTx/>
+                <a:uFillTx/>
+                <a:latin typeface="Century Gothic" panose="020B0502020202020204"/>
+                <a:ea typeface="+mn-ea"/>
+                <a:cs typeface="+mn-cs"/>
+              </a:rPr>
+              <a:t>', ‘</a:t>
+            </a:r>
+            <a:r>
+              <a:rPr kumimoji="0" lang="en-US" sz="1800" b="0" i="0" u="none" strike="noStrike" kern="1200" cap="none" spc="0" normalizeH="0" baseline="0" noProof="0" dirty="0" err="1">
+                <a:ln>
+                  <a:noFill/>
+                </a:ln>
+                <a:solidFill>
+                  <a:prstClr val="white"/>
+                </a:solidFill>
+                <a:effectLst/>
+                <a:uLnTx/>
+                <a:uFillTx/>
+                <a:latin typeface="Century Gothic" panose="020B0502020202020204"/>
+                <a:ea typeface="+mn-ea"/>
+                <a:cs typeface="+mn-cs"/>
+              </a:rPr>
+              <a:t>train_station</a:t>
+            </a:r>
+            <a:r>
+              <a:rPr kumimoji="0" lang="en-US" sz="1800" b="0" i="0" u="none" strike="noStrike" kern="1200" cap="none" spc="0" normalizeH="0" baseline="0" noProof="0" dirty="0">
+                <a:ln>
+                  <a:noFill/>
+                </a:ln>
+                <a:solidFill>
+                  <a:prstClr val="white"/>
+                </a:solidFill>
+                <a:effectLst/>
+                <a:uLnTx/>
+                <a:uFillTx/>
+                <a:latin typeface="Century Gothic" panose="020B0502020202020204"/>
+                <a:ea typeface="+mn-ea"/>
+                <a:cs typeface="+mn-cs"/>
+              </a:rPr>
+              <a:t>', ‘</a:t>
+            </a:r>
+            <a:r>
+              <a:rPr kumimoji="0" lang="en-US" sz="1800" b="0" i="0" u="none" strike="noStrike" kern="1200" cap="none" spc="0" normalizeH="0" baseline="0" noProof="0" dirty="0" err="1">
+                <a:ln>
+                  <a:noFill/>
+                </a:ln>
+                <a:solidFill>
+                  <a:prstClr val="white"/>
+                </a:solidFill>
+                <a:effectLst/>
+                <a:uLnTx/>
+                <a:uFillTx/>
+                <a:latin typeface="Century Gothic" panose="020B0502020202020204"/>
+                <a:ea typeface="+mn-ea"/>
+                <a:cs typeface="+mn-cs"/>
+              </a:rPr>
+              <a:t>transit_station</a:t>
+            </a:r>
+            <a:r>
+              <a:rPr kumimoji="0" lang="en-US" sz="1800" b="0" i="0" u="none" strike="noStrike" kern="1200" cap="none" spc="0" normalizeH="0" baseline="0" noProof="0" dirty="0">
+                <a:ln>
+                  <a:noFill/>
+                </a:ln>
+                <a:solidFill>
+                  <a:prstClr val="white"/>
+                </a:solidFill>
+                <a:effectLst/>
+                <a:uLnTx/>
+                <a:uFillTx/>
+                <a:latin typeface="Century Gothic" panose="020B0502020202020204"/>
+                <a:ea typeface="+mn-ea"/>
+                <a:cs typeface="+mn-cs"/>
+              </a:rPr>
+              <a:t>'</a:t>
+            </a:r>
+          </a:p>
+        </p:txBody>
+      </p:sp>
+      <p:pic>
+        <p:nvPicPr>
+          <p:cNvPr id="4" name="Picture 3">
             <a:extLst>
               <a:ext uri="{FF2B5EF4-FFF2-40B4-BE49-F238E27FC236}">
-                <a16:creationId xmlns:a16="http://schemas.microsoft.com/office/drawing/2014/main" xmlns="" id="{AA67C872-7CEE-4F04-9724-C7E21DA87B9E}"/>
+                <a16:creationId xmlns:a16="http://schemas.microsoft.com/office/drawing/2014/main" id="{53F43638-D3C8-4A35-99AB-A43EC8F4F34D}"/>
               </a:ext>
             </a:extLst>
           </p:cNvPr>
-          <p:cNvSpPr txBox="1"/>
-          <p:nvPr/>
-        </p:nvSpPr>
-        <p:spPr>
-          <a:xfrm>
-            <a:off x="8639175" y="3261959"/>
-            <a:ext cx="2853027" cy="3702024"/>
-          </a:xfrm>
-          <a:prstGeom prst="rect">
-            <a:avLst/>
-          </a:prstGeom>
-          <a:noFill/>
-        </p:spPr>
-        <p:txBody>
-          <a:bodyPr wrap="square" rtlCol="0">
-            <a:spAutoFit/>
-          </a:bodyPr>
-          <a:lstStyle/>
-          <a:p>
-            <a:r>
-              <a:rPr lang="en-US" dirty="0">
-                <a:latin typeface="Bodoni MT" panose="02070603080606020203" pitchFamily="18" charset="0"/>
-              </a:rPr>
-              <a:t>Countries &amp; Capital City</a:t>
-            </a:r>
-          </a:p>
-          <a:p>
-            <a:r>
-              <a:rPr lang="en-US" dirty="0">
-                <a:latin typeface="Corbel Light" panose="020B0303020204020204" pitchFamily="34" charset="0"/>
-              </a:rPr>
-              <a:t>Finland – Helsinki</a:t>
-            </a:r>
-          </a:p>
-          <a:p>
-            <a:r>
-              <a:rPr lang="en-US" dirty="0">
-                <a:latin typeface="Corbel Light" panose="020B0303020204020204" pitchFamily="34" charset="0"/>
-              </a:rPr>
-              <a:t>Sweden – Stockholm</a:t>
-            </a:r>
-          </a:p>
-          <a:p>
-            <a:r>
-              <a:rPr lang="en-US" dirty="0">
-                <a:latin typeface="Corbel Light" panose="020B0303020204020204" pitchFamily="34" charset="0"/>
-              </a:rPr>
-              <a:t>USA – Washington D.C</a:t>
-            </a:r>
-          </a:p>
-          <a:p>
-            <a:r>
-              <a:rPr lang="en-US" dirty="0">
-                <a:latin typeface="Corbel Light" panose="020B0303020204020204" pitchFamily="34" charset="0"/>
-              </a:rPr>
-              <a:t>Belgium – Brussels</a:t>
-            </a:r>
-          </a:p>
-          <a:p>
-            <a:r>
-              <a:rPr lang="en-US" dirty="0">
-                <a:latin typeface="Corbel Light" panose="020B0303020204020204" pitchFamily="34" charset="0"/>
-              </a:rPr>
-              <a:t>Uruguay – Montevideo</a:t>
-            </a:r>
-          </a:p>
-          <a:p>
-            <a:r>
-              <a:rPr lang="en-US" dirty="0">
-                <a:latin typeface="Corbel Light" panose="020B0303020204020204" pitchFamily="34" charset="0"/>
-              </a:rPr>
-              <a:t>Romania – </a:t>
-            </a:r>
-            <a:r>
-              <a:rPr lang="en-US" dirty="0" err="1">
-                <a:latin typeface="Corbel Light" panose="020B0303020204020204" pitchFamily="34" charset="0"/>
-              </a:rPr>
-              <a:t>Bacharest</a:t>
-            </a:r>
-            <a:endParaRPr lang="en-US" dirty="0">
-              <a:latin typeface="Corbel Light" panose="020B0303020204020204" pitchFamily="34" charset="0"/>
-            </a:endParaRPr>
-          </a:p>
-          <a:p>
-            <a:r>
-              <a:rPr lang="en-US" dirty="0">
-                <a:latin typeface="Corbel Light" panose="020B0303020204020204" pitchFamily="34" charset="0"/>
-              </a:rPr>
-              <a:t>Pakistan – Islamabad</a:t>
-            </a:r>
-          </a:p>
-          <a:p>
-            <a:r>
-              <a:rPr lang="en-US" dirty="0">
-                <a:latin typeface="Corbel Light" panose="020B0303020204020204" pitchFamily="34" charset="0"/>
-              </a:rPr>
-              <a:t>Ghana – Accra</a:t>
-            </a:r>
-          </a:p>
-          <a:p>
-            <a:r>
-              <a:rPr lang="en-US" dirty="0">
-                <a:latin typeface="Corbel Light" panose="020B0303020204020204" pitchFamily="34" charset="0"/>
-              </a:rPr>
-              <a:t>Iraq - </a:t>
-            </a:r>
-            <a:r>
-              <a:rPr lang="en-US" dirty="0" err="1">
-                <a:latin typeface="Corbel Light" panose="020B0303020204020204" pitchFamily="34" charset="0"/>
-              </a:rPr>
-              <a:t>Bhagdad</a:t>
-            </a:r>
-            <a:r>
-              <a:rPr lang="en-US" dirty="0">
-                <a:latin typeface="Corbel Light" panose="020B0303020204020204" pitchFamily="34" charset="0"/>
-              </a:rPr>
-              <a:t> </a:t>
-            </a:r>
-          </a:p>
-          <a:p>
-            <a:r>
-              <a:rPr lang="en-US" dirty="0">
-                <a:latin typeface="Corbel Light" panose="020B0303020204020204" pitchFamily="34" charset="0"/>
-              </a:rPr>
-              <a:t>Uganda – Kampala</a:t>
-            </a:r>
-          </a:p>
-          <a:p>
-            <a:r>
-              <a:rPr lang="en-US" dirty="0">
-                <a:latin typeface="Corbel Light" panose="020B0303020204020204" pitchFamily="34" charset="0"/>
-              </a:rPr>
-              <a:t>Botswana - </a:t>
-            </a:r>
-            <a:r>
-              <a:rPr lang="en-US" dirty="0" err="1">
-                <a:latin typeface="Corbel Light" panose="020B0303020204020204" pitchFamily="34" charset="0"/>
-              </a:rPr>
-              <a:t>Gambrone</a:t>
-            </a:r>
-            <a:r>
-              <a:rPr lang="en-US" dirty="0">
-                <a:latin typeface="Corbel Light" panose="020B0303020204020204" pitchFamily="34" charset="0"/>
-              </a:rPr>
-              <a:t> </a:t>
-            </a:r>
-          </a:p>
-          <a:p>
-            <a:endParaRPr lang="en-US" dirty="0"/>
-          </a:p>
-        </p:txBody>
-      </p:sp>
-      <p:pic>
-        <p:nvPicPr>
-          <p:cNvPr id="5" name="Picture 4"/>
           <p:cNvPicPr>
             <a:picLocks noChangeAspect="1"/>
           </p:cNvPicPr>
@@ -8687,8 +8559,8 @@
         </p:blipFill>
         <p:spPr>
           <a:xfrm>
-            <a:off x="3210427" y="3261959"/>
-            <a:ext cx="4038600" cy="3486150"/>
+            <a:off x="4064194" y="2791327"/>
+            <a:ext cx="4492665" cy="3676596"/>
           </a:xfrm>
           <a:prstGeom prst="rect">
             <a:avLst/>
@@ -8698,7 +8570,7 @@
     </p:spTree>
     <p:extLst>
       <p:ext uri="{BB962C8B-B14F-4D97-AF65-F5344CB8AC3E}">
-        <p14:creationId xmlns:p14="http://schemas.microsoft.com/office/powerpoint/2010/main" val="2567165879"/>
+        <p14:creationId xmlns:p14="http://schemas.microsoft.com/office/powerpoint/2010/main" val="1833258672"/>
       </p:ext>
     </p:extLst>
   </p:cSld>
@@ -8730,7 +8602,7 @@
           <p:cNvPr id="2" name="Title 1">
             <a:extLst>
               <a:ext uri="{FF2B5EF4-FFF2-40B4-BE49-F238E27FC236}">
-                <a16:creationId xmlns:a16="http://schemas.microsoft.com/office/drawing/2014/main" xmlns="" id="{0EED52AB-6663-4EB3-82AB-541DF29F158F}"/>
+                <a16:creationId xmlns:a16="http://schemas.microsoft.com/office/drawing/2014/main" id="{C24C2D1F-9614-40A3-BFC3-EB80BBD52A86}"/>
               </a:ext>
             </a:extLst>
           </p:cNvPr>
@@ -8743,7 +8615,7 @@
         </p:nvSpPr>
         <p:spPr>
           <a:xfrm>
-            <a:off x="328078" y="175214"/>
+            <a:off x="279951" y="78962"/>
             <a:ext cx="8534400" cy="1507067"/>
           </a:xfrm>
         </p:spPr>
@@ -8753,47 +8625,17 @@
           <a:p>
             <a:r>
               <a:rPr lang="en-US" dirty="0"/>
-              <a:t>Health Expenditure (% of the GDP)</a:t>
-            </a:r>
-          </a:p>
-        </p:txBody>
-      </p:sp>
-      <p:pic>
-        <p:nvPicPr>
-          <p:cNvPr id="5" name="Picture 4" descr="Chart, histogram&#10;&#10;Description automatically generated">
+              <a:t>ALL FACTORS COMBINED</a:t>
+            </a:r>
+          </a:p>
+        </p:txBody>
+      </p:sp>
+      <p:sp>
+        <p:nvSpPr>
+          <p:cNvPr id="5" name="TextBox 4">
             <a:extLst>
               <a:ext uri="{FF2B5EF4-FFF2-40B4-BE49-F238E27FC236}">
-                <a16:creationId xmlns:a16="http://schemas.microsoft.com/office/drawing/2014/main" xmlns="" id="{E40D00F6-9DAB-4C44-9DFE-90726BB74D7D}"/>
-              </a:ext>
-            </a:extLst>
-          </p:cNvPr>
-          <p:cNvPicPr>
-            <a:picLocks noChangeAspect="1"/>
-          </p:cNvPicPr>
-          <p:nvPr/>
-        </p:nvPicPr>
-        <p:blipFill>
-          <a:blip r:embed="rId2"/>
-          <a:stretch>
-            <a:fillRect/>
-          </a:stretch>
-        </p:blipFill>
-        <p:spPr>
-          <a:xfrm>
-            <a:off x="3484345" y="2836443"/>
-            <a:ext cx="5378133" cy="3932970"/>
-          </a:xfrm>
-          <a:prstGeom prst="rect">
-            <a:avLst/>
-          </a:prstGeom>
-        </p:spPr>
-      </p:pic>
-      <p:sp>
-        <p:nvSpPr>
-          <p:cNvPr id="6" name="TextBox 5">
-            <a:extLst>
-              <a:ext uri="{FF2B5EF4-FFF2-40B4-BE49-F238E27FC236}">
-                <a16:creationId xmlns:a16="http://schemas.microsoft.com/office/drawing/2014/main" xmlns="" id="{A08D6931-27B0-4057-AB2A-4479093F9659}"/>
+                <a16:creationId xmlns:a16="http://schemas.microsoft.com/office/drawing/2014/main" id="{55FA615D-60D5-42F2-8480-CC7E9E6E4E6D}"/>
               </a:ext>
             </a:extLst>
           </p:cNvPr>
@@ -8802,8 +8644,8 @@
         </p:nvSpPr>
         <p:spPr>
           <a:xfrm>
-            <a:off x="222200" y="1359115"/>
-            <a:ext cx="12215203" cy="1477328"/>
+            <a:off x="356134" y="1511165"/>
+            <a:ext cx="11088304" cy="369332"/>
           </a:xfrm>
           <a:prstGeom prst="rect">
             <a:avLst/>
@@ -8811,35 +8653,14 @@
           <a:noFill/>
         </p:spPr>
         <p:txBody>
-          <a:bodyPr wrap="none" rtlCol="0">
+          <a:bodyPr wrap="square" rtlCol="0">
             <a:spAutoFit/>
           </a:bodyPr>
           <a:lstStyle/>
           <a:p>
             <a:r>
               <a:rPr lang="en-US" dirty="0"/>
-              <a:t>Using World Health Organization Global Health Expenditure database, we wanted to see how much each </a:t>
-            </a:r>
-          </a:p>
-          <a:p>
-            <a:r>
-              <a:rPr lang="en-US" dirty="0"/>
-              <a:t>country spends on their healthcare services. </a:t>
-            </a:r>
-          </a:p>
-          <a:p>
-            <a:endParaRPr lang="en-US" dirty="0"/>
-          </a:p>
-          <a:p>
-            <a:r>
-              <a:rPr lang="en-US" dirty="0"/>
-              <a:t>This graphs shows that spending on heath doesn’t always means a happier country. But keep in mind these </a:t>
-            </a:r>
-          </a:p>
-          <a:p>
-            <a:r>
-              <a:rPr lang="en-US" dirty="0"/>
-              <a:t>Countries have a varied population size. </a:t>
+              <a:t>This graph depicts the summation of all the factor for each country discussed until now :</a:t>
             </a:r>
           </a:p>
         </p:txBody>
@@ -8847,7 +8668,7 @@
     </p:spTree>
     <p:extLst>
       <p:ext uri="{BB962C8B-B14F-4D97-AF65-F5344CB8AC3E}">
-        <p14:creationId xmlns:p14="http://schemas.microsoft.com/office/powerpoint/2010/main" val="131343261"/>
+        <p14:creationId xmlns:p14="http://schemas.microsoft.com/office/powerpoint/2010/main" val="3588390403"/>
       </p:ext>
     </p:extLst>
   </p:cSld>
